--- a/Petroleum Viz.pptx
+++ b/Petroleum Viz.pptx
@@ -11,7 +11,8 @@
     <p:sldId id="265" r:id="rId5"/>
     <p:sldId id="261" r:id="rId6"/>
     <p:sldId id="257" r:id="rId7"/>
-    <p:sldId id="264" r:id="rId8"/>
+    <p:sldId id="266" r:id="rId8"/>
+    <p:sldId id="264" r:id="rId9"/>
   </p:sldIdLst>
   <p:sldSz cx="12192000" cy="6858000"/>
   <p:notesSz cx="6858000" cy="9144000"/>
@@ -901,6 +902,788 @@
 </file>
 
 <file path=ppt/diagrams/colors2.xml><?xml version="1.0" encoding="utf-8"?>
+<dgm:colorsDef xmlns:dgm="http://schemas.openxmlformats.org/drawingml/2006/diagram" xmlns:a="http://schemas.openxmlformats.org/drawingml/2006/main" uniqueId="urn:microsoft.com/office/officeart/2005/8/colors/colorful2">
+  <dgm:title val=""/>
+  <dgm:desc val=""/>
+  <dgm:catLst>
+    <dgm:cat type="colorful" pri="10200"/>
+  </dgm:catLst>
+  <dgm:styleLbl name="node0">
+    <dgm:fillClrLst meth="repeat">
+      <a:schemeClr val="accent1"/>
+    </dgm:fillClrLst>
+    <dgm:linClrLst meth="repeat">
+      <a:schemeClr val="lt1"/>
+    </dgm:linClrLst>
+    <dgm:effectClrLst/>
+    <dgm:txLinClrLst/>
+    <dgm:txFillClrLst/>
+    <dgm:txEffectClrLst/>
+  </dgm:styleLbl>
+  <dgm:styleLbl name="node1">
+    <dgm:fillClrLst>
+      <a:schemeClr val="accent2"/>
+      <a:schemeClr val="accent3"/>
+    </dgm:fillClrLst>
+    <dgm:linClrLst meth="repeat">
+      <a:schemeClr val="lt1"/>
+    </dgm:linClrLst>
+    <dgm:effectClrLst/>
+    <dgm:txLinClrLst/>
+    <dgm:txFillClrLst/>
+    <dgm:txEffectClrLst/>
+  </dgm:styleLbl>
+  <dgm:styleLbl name="alignNode1">
+    <dgm:fillClrLst>
+      <a:schemeClr val="accent2"/>
+      <a:schemeClr val="accent3"/>
+    </dgm:fillClrLst>
+    <dgm:linClrLst>
+      <a:schemeClr val="accent2"/>
+      <a:schemeClr val="accent3"/>
+    </dgm:linClrLst>
+    <dgm:effectClrLst/>
+    <dgm:txLinClrLst/>
+    <dgm:txFillClrLst/>
+    <dgm:txEffectClrLst/>
+  </dgm:styleLbl>
+  <dgm:styleLbl name="lnNode1">
+    <dgm:fillClrLst>
+      <a:schemeClr val="accent2"/>
+      <a:schemeClr val="accent3"/>
+    </dgm:fillClrLst>
+    <dgm:linClrLst meth="repeat">
+      <a:schemeClr val="lt1"/>
+    </dgm:linClrLst>
+    <dgm:effectClrLst/>
+    <dgm:txLinClrLst/>
+    <dgm:txFillClrLst/>
+    <dgm:txEffectClrLst/>
+  </dgm:styleLbl>
+  <dgm:styleLbl name="vennNode1">
+    <dgm:fillClrLst>
+      <a:schemeClr val="accent2">
+        <a:alpha val="50000"/>
+      </a:schemeClr>
+      <a:schemeClr val="accent3">
+        <a:alpha val="50000"/>
+      </a:schemeClr>
+    </dgm:fillClrLst>
+    <dgm:linClrLst meth="repeat">
+      <a:schemeClr val="lt1"/>
+    </dgm:linClrLst>
+    <dgm:effectClrLst/>
+    <dgm:txLinClrLst/>
+    <dgm:txFillClrLst/>
+    <dgm:txEffectClrLst/>
+  </dgm:styleLbl>
+  <dgm:styleLbl name="node2">
+    <dgm:fillClrLst>
+      <a:schemeClr val="accent3"/>
+    </dgm:fillClrLst>
+    <dgm:linClrLst meth="repeat">
+      <a:schemeClr val="lt1"/>
+    </dgm:linClrLst>
+    <dgm:effectClrLst/>
+    <dgm:txLinClrLst/>
+    <dgm:txFillClrLst/>
+    <dgm:txEffectClrLst/>
+  </dgm:styleLbl>
+  <dgm:styleLbl name="node3">
+    <dgm:fillClrLst>
+      <a:schemeClr val="accent4"/>
+    </dgm:fillClrLst>
+    <dgm:linClrLst meth="repeat">
+      <a:schemeClr val="lt1"/>
+    </dgm:linClrLst>
+    <dgm:effectClrLst/>
+    <dgm:txLinClrLst/>
+    <dgm:txFillClrLst/>
+    <dgm:txEffectClrLst/>
+  </dgm:styleLbl>
+  <dgm:styleLbl name="node4">
+    <dgm:fillClrLst>
+      <a:schemeClr val="accent5"/>
+    </dgm:fillClrLst>
+    <dgm:linClrLst meth="repeat">
+      <a:schemeClr val="lt1"/>
+    </dgm:linClrLst>
+    <dgm:effectClrLst/>
+    <dgm:txLinClrLst/>
+    <dgm:txFillClrLst/>
+    <dgm:txEffectClrLst/>
+  </dgm:styleLbl>
+  <dgm:styleLbl name="fgImgPlace1">
+    <dgm:fillClrLst>
+      <a:schemeClr val="accent2">
+        <a:tint val="50000"/>
+      </a:schemeClr>
+      <a:schemeClr val="accent3">
+        <a:tint val="50000"/>
+      </a:schemeClr>
+    </dgm:fillClrLst>
+    <dgm:linClrLst meth="repeat">
+      <a:schemeClr val="lt1"/>
+    </dgm:linClrLst>
+    <dgm:effectClrLst/>
+    <dgm:txLinClrLst/>
+    <dgm:txFillClrLst meth="repeat">
+      <a:schemeClr val="lt1"/>
+    </dgm:txFillClrLst>
+    <dgm:txEffectClrLst/>
+  </dgm:styleLbl>
+  <dgm:styleLbl name="alignImgPlace1">
+    <dgm:fillClrLst>
+      <a:schemeClr val="accent2">
+        <a:tint val="50000"/>
+      </a:schemeClr>
+      <a:schemeClr val="accent3">
+        <a:tint val="20000"/>
+      </a:schemeClr>
+    </dgm:fillClrLst>
+    <dgm:linClrLst meth="repeat">
+      <a:schemeClr val="lt1"/>
+    </dgm:linClrLst>
+    <dgm:effectClrLst/>
+    <dgm:txLinClrLst/>
+    <dgm:txFillClrLst meth="repeat">
+      <a:schemeClr val="lt1"/>
+    </dgm:txFillClrLst>
+    <dgm:txEffectClrLst/>
+  </dgm:styleLbl>
+  <dgm:styleLbl name="bgImgPlace1">
+    <dgm:fillClrLst>
+      <a:schemeClr val="accent2">
+        <a:tint val="50000"/>
+      </a:schemeClr>
+      <a:schemeClr val="accent3">
+        <a:tint val="20000"/>
+      </a:schemeClr>
+    </dgm:fillClrLst>
+    <dgm:linClrLst meth="repeat">
+      <a:schemeClr val="lt1"/>
+    </dgm:linClrLst>
+    <dgm:effectClrLst/>
+    <dgm:txLinClrLst/>
+    <dgm:txFillClrLst meth="repeat">
+      <a:schemeClr val="lt1"/>
+    </dgm:txFillClrLst>
+    <dgm:txEffectClrLst/>
+  </dgm:styleLbl>
+  <dgm:styleLbl name="sibTrans2D1">
+    <dgm:fillClrLst>
+      <a:schemeClr val="accent2"/>
+      <a:schemeClr val="accent3"/>
+    </dgm:fillClrLst>
+    <dgm:linClrLst meth="repeat">
+      <a:schemeClr val="lt1"/>
+    </dgm:linClrLst>
+    <dgm:effectClrLst/>
+    <dgm:txLinClrLst/>
+    <dgm:txFillClrLst/>
+    <dgm:txEffectClrLst/>
+  </dgm:styleLbl>
+  <dgm:styleLbl name="fgSibTrans2D1">
+    <dgm:fillClrLst>
+      <a:schemeClr val="accent2"/>
+      <a:schemeClr val="accent3"/>
+    </dgm:fillClrLst>
+    <dgm:linClrLst meth="repeat">
+      <a:schemeClr val="lt1"/>
+    </dgm:linClrLst>
+    <dgm:effectClrLst/>
+    <dgm:txLinClrLst/>
+    <dgm:txFillClrLst meth="repeat">
+      <a:schemeClr val="lt1"/>
+    </dgm:txFillClrLst>
+    <dgm:txEffectClrLst/>
+  </dgm:styleLbl>
+  <dgm:styleLbl name="bgSibTrans2D1">
+    <dgm:fillClrLst>
+      <a:schemeClr val="accent2"/>
+      <a:schemeClr val="accent3"/>
+    </dgm:fillClrLst>
+    <dgm:linClrLst meth="repeat">
+      <a:schemeClr val="lt1"/>
+    </dgm:linClrLst>
+    <dgm:effectClrLst/>
+    <dgm:txLinClrLst/>
+    <dgm:txFillClrLst meth="repeat">
+      <a:schemeClr val="lt1"/>
+    </dgm:txFillClrLst>
+    <dgm:txEffectClrLst/>
+  </dgm:styleLbl>
+  <dgm:styleLbl name="sibTrans1D1">
+    <dgm:fillClrLst/>
+    <dgm:linClrLst>
+      <a:schemeClr val="accent2"/>
+      <a:schemeClr val="accent3"/>
+    </dgm:linClrLst>
+    <dgm:effectClrLst/>
+    <dgm:txLinClrLst/>
+    <dgm:txFillClrLst meth="repeat">
+      <a:schemeClr val="tx1"/>
+    </dgm:txFillClrLst>
+    <dgm:txEffectClrLst/>
+  </dgm:styleLbl>
+  <dgm:styleLbl name="callout">
+    <dgm:fillClrLst meth="repeat">
+      <a:schemeClr val="accent2"/>
+    </dgm:fillClrLst>
+    <dgm:linClrLst meth="repeat">
+      <a:schemeClr val="accent2">
+        <a:tint val="50000"/>
+      </a:schemeClr>
+    </dgm:linClrLst>
+    <dgm:effectClrLst/>
+    <dgm:txLinClrLst/>
+    <dgm:txFillClrLst meth="repeat">
+      <a:schemeClr val="tx1"/>
+    </dgm:txFillClrLst>
+    <dgm:txEffectClrLst/>
+  </dgm:styleLbl>
+  <dgm:styleLbl name="asst0">
+    <dgm:fillClrLst meth="repeat">
+      <a:schemeClr val="accent2"/>
+    </dgm:fillClrLst>
+    <dgm:linClrLst meth="repeat">
+      <a:schemeClr val="lt1">
+        <a:shade val="80000"/>
+      </a:schemeClr>
+    </dgm:linClrLst>
+    <dgm:effectClrLst/>
+    <dgm:txLinClrLst/>
+    <dgm:txFillClrLst/>
+    <dgm:txEffectClrLst/>
+  </dgm:styleLbl>
+  <dgm:styleLbl name="asst1">
+    <dgm:fillClrLst meth="repeat">
+      <a:schemeClr val="accent3"/>
+    </dgm:fillClrLst>
+    <dgm:linClrLst meth="repeat">
+      <a:schemeClr val="lt1">
+        <a:shade val="80000"/>
+      </a:schemeClr>
+    </dgm:linClrLst>
+    <dgm:effectClrLst/>
+    <dgm:txLinClrLst/>
+    <dgm:txFillClrLst/>
+    <dgm:txEffectClrLst/>
+  </dgm:styleLbl>
+  <dgm:styleLbl name="asst2">
+    <dgm:fillClrLst>
+      <a:schemeClr val="accent4"/>
+    </dgm:fillClrLst>
+    <dgm:linClrLst meth="repeat">
+      <a:schemeClr val="lt1"/>
+    </dgm:linClrLst>
+    <dgm:effectClrLst/>
+    <dgm:txLinClrLst/>
+    <dgm:txFillClrLst/>
+    <dgm:txEffectClrLst/>
+  </dgm:styleLbl>
+  <dgm:styleLbl name="asst3">
+    <dgm:fillClrLst>
+      <a:schemeClr val="accent5"/>
+    </dgm:fillClrLst>
+    <dgm:linClrLst meth="repeat">
+      <a:schemeClr val="lt1"/>
+    </dgm:linClrLst>
+    <dgm:effectClrLst/>
+    <dgm:txLinClrLst/>
+    <dgm:txFillClrLst/>
+    <dgm:txEffectClrLst/>
+  </dgm:styleLbl>
+  <dgm:styleLbl name="asst4">
+    <dgm:fillClrLst>
+      <a:schemeClr val="accent6"/>
+    </dgm:fillClrLst>
+    <dgm:linClrLst meth="repeat">
+      <a:schemeClr val="lt1"/>
+    </dgm:linClrLst>
+    <dgm:effectClrLst/>
+    <dgm:txLinClrLst/>
+    <dgm:txFillClrLst/>
+    <dgm:txEffectClrLst/>
+  </dgm:styleLbl>
+  <dgm:styleLbl name="parChTrans2D1">
+    <dgm:fillClrLst meth="repeat">
+      <a:schemeClr val="accent2"/>
+    </dgm:fillClrLst>
+    <dgm:linClrLst meth="repeat">
+      <a:schemeClr val="lt1"/>
+    </dgm:linClrLst>
+    <dgm:effectClrLst/>
+    <dgm:txLinClrLst/>
+    <dgm:txFillClrLst meth="repeat">
+      <a:schemeClr val="lt1"/>
+    </dgm:txFillClrLst>
+    <dgm:txEffectClrLst/>
+  </dgm:styleLbl>
+  <dgm:styleLbl name="parChTrans2D2">
+    <dgm:fillClrLst meth="repeat">
+      <a:schemeClr val="accent3"/>
+    </dgm:fillClrLst>
+    <dgm:linClrLst meth="repeat">
+      <a:schemeClr val="lt1"/>
+    </dgm:linClrLst>
+    <dgm:effectClrLst/>
+    <dgm:txLinClrLst/>
+    <dgm:txFillClrLst/>
+    <dgm:txEffectClrLst/>
+  </dgm:styleLbl>
+  <dgm:styleLbl name="parChTrans2D3">
+    <dgm:fillClrLst meth="repeat">
+      <a:schemeClr val="accent4"/>
+    </dgm:fillClrLst>
+    <dgm:linClrLst meth="repeat">
+      <a:schemeClr val="lt1"/>
+    </dgm:linClrLst>
+    <dgm:effectClrLst/>
+    <dgm:txLinClrLst/>
+    <dgm:txFillClrLst/>
+    <dgm:txEffectClrLst/>
+  </dgm:styleLbl>
+  <dgm:styleLbl name="parChTrans2D4">
+    <dgm:fillClrLst meth="repeat">
+      <a:schemeClr val="accent5"/>
+    </dgm:fillClrLst>
+    <dgm:linClrLst meth="repeat">
+      <a:schemeClr val="lt1"/>
+    </dgm:linClrLst>
+    <dgm:effectClrLst/>
+    <dgm:txLinClrLst/>
+    <dgm:txFillClrLst meth="repeat">
+      <a:schemeClr val="lt1"/>
+    </dgm:txFillClrLst>
+    <dgm:txEffectClrLst/>
+  </dgm:styleLbl>
+  <dgm:styleLbl name="parChTrans1D1">
+    <dgm:fillClrLst meth="repeat">
+      <a:schemeClr val="accent2"/>
+    </dgm:fillClrLst>
+    <dgm:linClrLst meth="repeat">
+      <a:schemeClr val="accent2"/>
+    </dgm:linClrLst>
+    <dgm:effectClrLst/>
+    <dgm:txLinClrLst/>
+    <dgm:txFillClrLst meth="repeat">
+      <a:schemeClr val="tx1"/>
+    </dgm:txFillClrLst>
+    <dgm:txEffectClrLst/>
+  </dgm:styleLbl>
+  <dgm:styleLbl name="parChTrans1D2">
+    <dgm:fillClrLst meth="repeat">
+      <a:schemeClr val="accent2">
+        <a:tint val="90000"/>
+      </a:schemeClr>
+    </dgm:fillClrLst>
+    <dgm:linClrLst meth="repeat">
+      <a:schemeClr val="accent3"/>
+    </dgm:linClrLst>
+    <dgm:effectClrLst/>
+    <dgm:txLinClrLst/>
+    <dgm:txFillClrLst meth="repeat">
+      <a:schemeClr val="tx1"/>
+    </dgm:txFillClrLst>
+    <dgm:txEffectClrLst/>
+  </dgm:styleLbl>
+  <dgm:styleLbl name="parChTrans1D3">
+    <dgm:fillClrLst meth="repeat">
+      <a:schemeClr val="accent2">
+        <a:tint val="70000"/>
+      </a:schemeClr>
+    </dgm:fillClrLst>
+    <dgm:linClrLst meth="repeat">
+      <a:schemeClr val="accent4"/>
+    </dgm:linClrLst>
+    <dgm:effectClrLst/>
+    <dgm:txLinClrLst/>
+    <dgm:txFillClrLst meth="repeat">
+      <a:schemeClr val="tx1"/>
+    </dgm:txFillClrLst>
+    <dgm:txEffectClrLst/>
+  </dgm:styleLbl>
+  <dgm:styleLbl name="parChTrans1D4">
+    <dgm:fillClrLst meth="repeat">
+      <a:schemeClr val="accent2">
+        <a:tint val="50000"/>
+      </a:schemeClr>
+    </dgm:fillClrLst>
+    <dgm:linClrLst meth="repeat">
+      <a:schemeClr val="accent5"/>
+    </dgm:linClrLst>
+    <dgm:effectClrLst/>
+    <dgm:txLinClrLst/>
+    <dgm:txFillClrLst meth="repeat">
+      <a:schemeClr val="tx1"/>
+    </dgm:txFillClrLst>
+    <dgm:txEffectClrLst/>
+  </dgm:styleLbl>
+  <dgm:styleLbl name="fgAcc1">
+    <dgm:fillClrLst meth="repeat">
+      <a:schemeClr val="lt1">
+        <a:alpha val="90000"/>
+      </a:schemeClr>
+    </dgm:fillClrLst>
+    <dgm:linClrLst>
+      <a:schemeClr val="accent2"/>
+      <a:schemeClr val="accent3"/>
+    </dgm:linClrLst>
+    <dgm:effectClrLst/>
+    <dgm:txLinClrLst/>
+    <dgm:txFillClrLst meth="repeat">
+      <a:schemeClr val="dk1"/>
+    </dgm:txFillClrLst>
+    <dgm:txEffectClrLst/>
+  </dgm:styleLbl>
+  <dgm:styleLbl name="conFgAcc1">
+    <dgm:fillClrLst meth="repeat">
+      <a:schemeClr val="lt1">
+        <a:alpha val="90000"/>
+      </a:schemeClr>
+    </dgm:fillClrLst>
+    <dgm:linClrLst>
+      <a:schemeClr val="accent2"/>
+      <a:schemeClr val="accent3"/>
+    </dgm:linClrLst>
+    <dgm:effectClrLst/>
+    <dgm:txLinClrLst/>
+    <dgm:txFillClrLst meth="repeat">
+      <a:schemeClr val="dk1"/>
+    </dgm:txFillClrLst>
+    <dgm:txEffectClrLst/>
+  </dgm:styleLbl>
+  <dgm:styleLbl name="alignAcc1">
+    <dgm:fillClrLst meth="repeat">
+      <a:schemeClr val="lt1">
+        <a:alpha val="90000"/>
+      </a:schemeClr>
+    </dgm:fillClrLst>
+    <dgm:linClrLst>
+      <a:schemeClr val="accent2"/>
+      <a:schemeClr val="accent3"/>
+    </dgm:linClrLst>
+    <dgm:effectClrLst/>
+    <dgm:txLinClrLst/>
+    <dgm:txFillClrLst meth="repeat">
+      <a:schemeClr val="dk1"/>
+    </dgm:txFillClrLst>
+    <dgm:txEffectClrLst/>
+  </dgm:styleLbl>
+  <dgm:styleLbl name="trAlignAcc1">
+    <dgm:fillClrLst meth="repeat">
+      <a:schemeClr val="lt1">
+        <a:alpha val="40000"/>
+      </a:schemeClr>
+    </dgm:fillClrLst>
+    <dgm:linClrLst meth="repeat">
+      <a:schemeClr val="accent2"/>
+    </dgm:linClrLst>
+    <dgm:effectClrLst/>
+    <dgm:txLinClrLst/>
+    <dgm:txFillClrLst meth="repeat">
+      <a:schemeClr val="dk1"/>
+    </dgm:txFillClrLst>
+    <dgm:txEffectClrLst/>
+  </dgm:styleLbl>
+  <dgm:styleLbl name="bgAcc1">
+    <dgm:fillClrLst meth="repeat">
+      <a:schemeClr val="lt1">
+        <a:alpha val="90000"/>
+      </a:schemeClr>
+    </dgm:fillClrLst>
+    <dgm:linClrLst>
+      <a:schemeClr val="accent2"/>
+      <a:schemeClr val="accent3"/>
+    </dgm:linClrLst>
+    <dgm:effectClrLst/>
+    <dgm:txLinClrLst/>
+    <dgm:txFillClrLst meth="repeat">
+      <a:schemeClr val="dk1"/>
+    </dgm:txFillClrLst>
+    <dgm:txEffectClrLst/>
+  </dgm:styleLbl>
+  <dgm:styleLbl name="solidFgAcc1">
+    <dgm:fillClrLst meth="repeat">
+      <a:schemeClr val="lt1"/>
+    </dgm:fillClrLst>
+    <dgm:linClrLst>
+      <a:schemeClr val="accent2"/>
+      <a:schemeClr val="accent3"/>
+    </dgm:linClrLst>
+    <dgm:effectClrLst/>
+    <dgm:txLinClrLst/>
+    <dgm:txFillClrLst meth="repeat">
+      <a:schemeClr val="dk1"/>
+    </dgm:txFillClrLst>
+    <dgm:txEffectClrLst/>
+  </dgm:styleLbl>
+  <dgm:styleLbl name="solidAlignAcc1">
+    <dgm:fillClrLst meth="repeat">
+      <a:schemeClr val="lt1"/>
+    </dgm:fillClrLst>
+    <dgm:linClrLst>
+      <a:schemeClr val="accent2"/>
+      <a:schemeClr val="accent3"/>
+    </dgm:linClrLst>
+    <dgm:effectClrLst/>
+    <dgm:txLinClrLst/>
+    <dgm:txFillClrLst meth="repeat">
+      <a:schemeClr val="dk1"/>
+    </dgm:txFillClrLst>
+    <dgm:txEffectClrLst/>
+  </dgm:styleLbl>
+  <dgm:styleLbl name="solidBgAcc1">
+    <dgm:fillClrLst meth="repeat">
+      <a:schemeClr val="lt1"/>
+    </dgm:fillClrLst>
+    <dgm:linClrLst>
+      <a:schemeClr val="accent2"/>
+      <a:schemeClr val="accent3"/>
+    </dgm:linClrLst>
+    <dgm:effectClrLst/>
+    <dgm:txLinClrLst/>
+    <dgm:txFillClrLst meth="repeat">
+      <a:schemeClr val="dk1"/>
+    </dgm:txFillClrLst>
+    <dgm:txEffectClrLst/>
+  </dgm:styleLbl>
+  <dgm:styleLbl name="fgAccFollowNode1">
+    <dgm:fillClrLst>
+      <a:schemeClr val="accent2">
+        <a:tint val="40000"/>
+        <a:alpha val="90000"/>
+      </a:schemeClr>
+      <a:schemeClr val="accent3">
+        <a:tint val="40000"/>
+        <a:alpha val="90000"/>
+      </a:schemeClr>
+    </dgm:fillClrLst>
+    <dgm:linClrLst>
+      <a:schemeClr val="accent2">
+        <a:tint val="40000"/>
+        <a:alpha val="90000"/>
+      </a:schemeClr>
+      <a:schemeClr val="accent3">
+        <a:tint val="40000"/>
+        <a:alpha val="90000"/>
+      </a:schemeClr>
+    </dgm:linClrLst>
+    <dgm:effectClrLst/>
+    <dgm:txLinClrLst/>
+    <dgm:txFillClrLst meth="repeat">
+      <a:schemeClr val="dk1"/>
+    </dgm:txFillClrLst>
+    <dgm:txEffectClrLst/>
+  </dgm:styleLbl>
+  <dgm:styleLbl name="alignAccFollowNode1">
+    <dgm:fillClrLst>
+      <a:schemeClr val="accent2">
+        <a:tint val="40000"/>
+        <a:alpha val="90000"/>
+      </a:schemeClr>
+      <a:schemeClr val="accent3">
+        <a:tint val="40000"/>
+        <a:alpha val="90000"/>
+      </a:schemeClr>
+    </dgm:fillClrLst>
+    <dgm:linClrLst>
+      <a:schemeClr val="accent2">
+        <a:tint val="40000"/>
+        <a:alpha val="90000"/>
+      </a:schemeClr>
+      <a:schemeClr val="accent3">
+        <a:tint val="40000"/>
+        <a:alpha val="90000"/>
+      </a:schemeClr>
+    </dgm:linClrLst>
+    <dgm:effectClrLst/>
+    <dgm:txLinClrLst/>
+    <dgm:txFillClrLst meth="repeat">
+      <a:schemeClr val="dk1"/>
+    </dgm:txFillClrLst>
+    <dgm:txEffectClrLst/>
+  </dgm:styleLbl>
+  <dgm:styleLbl name="bgAccFollowNode1">
+    <dgm:fillClrLst>
+      <a:schemeClr val="accent2">
+        <a:tint val="40000"/>
+        <a:alpha val="90000"/>
+      </a:schemeClr>
+      <a:schemeClr val="accent3">
+        <a:tint val="40000"/>
+        <a:alpha val="90000"/>
+      </a:schemeClr>
+    </dgm:fillClrLst>
+    <dgm:linClrLst>
+      <a:schemeClr val="accent2">
+        <a:tint val="40000"/>
+        <a:alpha val="90000"/>
+      </a:schemeClr>
+      <a:schemeClr val="accent3">
+        <a:tint val="40000"/>
+        <a:alpha val="90000"/>
+      </a:schemeClr>
+    </dgm:linClrLst>
+    <dgm:effectClrLst/>
+    <dgm:txLinClrLst/>
+    <dgm:txFillClrLst meth="repeat">
+      <a:schemeClr val="dk1"/>
+    </dgm:txFillClrLst>
+    <dgm:txEffectClrLst/>
+  </dgm:styleLbl>
+  <dgm:styleLbl name="fgAcc0">
+    <dgm:fillClrLst meth="repeat">
+      <a:schemeClr val="lt1">
+        <a:alpha val="90000"/>
+      </a:schemeClr>
+    </dgm:fillClrLst>
+    <dgm:linClrLst>
+      <a:schemeClr val="accent1"/>
+    </dgm:linClrLst>
+    <dgm:effectClrLst/>
+    <dgm:txLinClrLst/>
+    <dgm:txFillClrLst meth="repeat">
+      <a:schemeClr val="dk1"/>
+    </dgm:txFillClrLst>
+    <dgm:txEffectClrLst/>
+  </dgm:styleLbl>
+  <dgm:styleLbl name="fgAcc2">
+    <dgm:fillClrLst meth="repeat">
+      <a:schemeClr val="lt1">
+        <a:alpha val="90000"/>
+      </a:schemeClr>
+    </dgm:fillClrLst>
+    <dgm:linClrLst>
+      <a:schemeClr val="accent3"/>
+    </dgm:linClrLst>
+    <dgm:effectClrLst/>
+    <dgm:txLinClrLst/>
+    <dgm:txFillClrLst meth="repeat">
+      <a:schemeClr val="dk1"/>
+    </dgm:txFillClrLst>
+    <dgm:txEffectClrLst/>
+  </dgm:styleLbl>
+  <dgm:styleLbl name="fgAcc3">
+    <dgm:fillClrLst meth="repeat">
+      <a:schemeClr val="lt1">
+        <a:alpha val="90000"/>
+      </a:schemeClr>
+    </dgm:fillClrLst>
+    <dgm:linClrLst>
+      <a:schemeClr val="accent4"/>
+    </dgm:linClrLst>
+    <dgm:effectClrLst/>
+    <dgm:txLinClrLst/>
+    <dgm:txFillClrLst meth="repeat">
+      <a:schemeClr val="dk1"/>
+    </dgm:txFillClrLst>
+    <dgm:txEffectClrLst/>
+  </dgm:styleLbl>
+  <dgm:styleLbl name="fgAcc4">
+    <dgm:fillClrLst meth="repeat">
+      <a:schemeClr val="lt1">
+        <a:alpha val="90000"/>
+      </a:schemeClr>
+    </dgm:fillClrLst>
+    <dgm:linClrLst>
+      <a:schemeClr val="accent5"/>
+    </dgm:linClrLst>
+    <dgm:effectClrLst/>
+    <dgm:txLinClrLst/>
+    <dgm:txFillClrLst meth="repeat">
+      <a:schemeClr val="dk1"/>
+    </dgm:txFillClrLst>
+    <dgm:txEffectClrLst/>
+  </dgm:styleLbl>
+  <dgm:styleLbl name="bgShp">
+    <dgm:fillClrLst meth="repeat">
+      <a:schemeClr val="accent2">
+        <a:tint val="40000"/>
+      </a:schemeClr>
+    </dgm:fillClrLst>
+    <dgm:linClrLst meth="repeat">
+      <a:schemeClr val="dk1"/>
+    </dgm:linClrLst>
+    <dgm:effectClrLst/>
+    <dgm:txLinClrLst/>
+    <dgm:txFillClrLst meth="repeat">
+      <a:schemeClr val="dk1"/>
+    </dgm:txFillClrLst>
+    <dgm:txEffectClrLst/>
+  </dgm:styleLbl>
+  <dgm:styleLbl name="dkBgShp">
+    <dgm:fillClrLst meth="repeat">
+      <a:schemeClr val="accent2">
+        <a:shade val="90000"/>
+      </a:schemeClr>
+    </dgm:fillClrLst>
+    <dgm:linClrLst meth="repeat">
+      <a:schemeClr val="dk1"/>
+    </dgm:linClrLst>
+    <dgm:effectClrLst/>
+    <dgm:txLinClrLst/>
+    <dgm:txFillClrLst meth="repeat">
+      <a:schemeClr val="lt1"/>
+    </dgm:txFillClrLst>
+    <dgm:txEffectClrLst/>
+  </dgm:styleLbl>
+  <dgm:styleLbl name="trBgShp">
+    <dgm:fillClrLst meth="repeat">
+      <a:schemeClr val="accent2">
+        <a:tint val="50000"/>
+        <a:alpha val="40000"/>
+      </a:schemeClr>
+    </dgm:fillClrLst>
+    <dgm:linClrLst meth="repeat">
+      <a:schemeClr val="accent2"/>
+    </dgm:linClrLst>
+    <dgm:effectClrLst/>
+    <dgm:txLinClrLst/>
+    <dgm:txFillClrLst meth="repeat">
+      <a:schemeClr val="lt1"/>
+    </dgm:txFillClrLst>
+    <dgm:txEffectClrLst/>
+  </dgm:styleLbl>
+  <dgm:styleLbl name="fgShp">
+    <dgm:fillClrLst meth="repeat">
+      <a:schemeClr val="accent2">
+        <a:tint val="40000"/>
+      </a:schemeClr>
+    </dgm:fillClrLst>
+    <dgm:linClrLst meth="repeat">
+      <a:schemeClr val="lt1"/>
+    </dgm:linClrLst>
+    <dgm:effectClrLst/>
+    <dgm:txLinClrLst/>
+    <dgm:txFillClrLst meth="repeat">
+      <a:schemeClr val="dk1"/>
+    </dgm:txFillClrLst>
+    <dgm:txEffectClrLst/>
+  </dgm:styleLbl>
+  <dgm:styleLbl name="revTx">
+    <dgm:fillClrLst meth="repeat">
+      <a:schemeClr val="lt1">
+        <a:alpha val="0"/>
+      </a:schemeClr>
+    </dgm:fillClrLst>
+    <dgm:linClrLst meth="repeat">
+      <a:schemeClr val="dk1">
+        <a:alpha val="0"/>
+      </a:schemeClr>
+    </dgm:linClrLst>
+    <dgm:effectClrLst/>
+    <dgm:txLinClrLst/>
+    <dgm:txFillClrLst meth="repeat">
+      <a:schemeClr val="tx1"/>
+    </dgm:txFillClrLst>
+    <dgm:txEffectClrLst/>
+  </dgm:styleLbl>
+</dgm:colorsDef>
+</file>
+
+<file path=ppt/diagrams/colors3.xml><?xml version="1.0" encoding="utf-8"?>
 <dgm:colorsDef xmlns:dgm="http://schemas.openxmlformats.org/drawingml/2006/diagram" xmlns:a="http://schemas.openxmlformats.org/drawingml/2006/main" uniqueId="urn:microsoft.com/office/officeart/2005/8/colors/colorful2">
   <dgm:title val=""/>
   <dgm:desc val=""/>
@@ -2001,6 +2784,188 @@
     <dgm:cxn modelId="{1BAFA9A1-7775-4646-9FBF-6A9E0A35997B}" type="presParOf" srcId="{CA5E8E14-EA7C-484A-985C-62B60C6CC4F9}" destId="{D8B7A132-8406-4CF0-BB93-0E41AE0FFD01}" srcOrd="0" destOrd="0" presId="urn:microsoft.com/office/officeart/2005/8/layout/vList2"/>
     <dgm:cxn modelId="{526FA454-AEA4-4DE9-B582-90822D9D8EBB}" type="presParOf" srcId="{CA5E8E14-EA7C-484A-985C-62B60C6CC4F9}" destId="{68809691-F913-4A4D-92BE-C3D3B69D34F9}" srcOrd="1" destOrd="0" presId="urn:microsoft.com/office/officeart/2005/8/layout/vList2"/>
     <dgm:cxn modelId="{1E85D041-5BF3-4805-B286-B88AD65F1093}" type="presParOf" srcId="{CA5E8E14-EA7C-484A-985C-62B60C6CC4F9}" destId="{8AA2AC56-B953-41DE-9199-C3E9F92C8127}" srcOrd="2" destOrd="0" presId="urn:microsoft.com/office/officeart/2005/8/layout/vList2"/>
+  </dgm:cxnLst>
+  <dgm:bg/>
+  <dgm:whole/>
+  <dgm:extLst>
+    <a:ext uri="http://schemas.microsoft.com/office/drawing/2008/diagram">
+      <dsp:dataModelExt xmlns:dsp="http://schemas.microsoft.com/office/drawing/2008/diagram" relId="rId6" minVer="http://schemas.openxmlformats.org/drawingml/2006/diagram"/>
+    </a:ext>
+  </dgm:extLst>
+</dgm:dataModel>
+</file>
+
+<file path=ppt/diagrams/data3.xml><?xml version="1.0" encoding="utf-8"?>
+<dgm:dataModel xmlns:dgm="http://schemas.openxmlformats.org/drawingml/2006/diagram" xmlns:a="http://schemas.openxmlformats.org/drawingml/2006/main">
+  <dgm:ptLst>
+    <dgm:pt modelId="{2681AD3B-88D5-49E5-B7DF-5963FC959EF4}" type="doc">
+      <dgm:prSet loTypeId="urn:microsoft.com/office/officeart/2005/8/layout/hierarchy1" loCatId="hierarchy" qsTypeId="urn:microsoft.com/office/officeart/2005/8/quickstyle/simple1" qsCatId="simple" csTypeId="urn:microsoft.com/office/officeart/2005/8/colors/colorful2" csCatId="colorful"/>
+      <dgm:spPr/>
+      <dgm:t>
+        <a:bodyPr/>
+        <a:lstStyle/>
+        <a:p>
+          <a:endParaRPr lang="en-US"/>
+        </a:p>
+      </dgm:t>
+    </dgm:pt>
+    <dgm:pt modelId="{732E2F4A-1170-4C2C-B83F-FC98BC21F115}">
+      <dgm:prSet/>
+      <dgm:spPr/>
+      <dgm:t>
+        <a:bodyPr/>
+        <a:lstStyle/>
+        <a:p>
+          <a:r>
+            <a:rPr lang="en-US" b="1"/>
+            <a:t>Route Optimization:</a:t>
+          </a:r>
+          <a:r>
+            <a:rPr lang="en-US"/>
+            <a:t> By analyzing the fuel prices in different towns over the specified period, the company can identify the most cost-effective routes for its vehicles. For example, if certain towns consistently have lower fuel prices compared to others, the company can prioritize routes that pass through these towns.</a:t>
+          </a:r>
+        </a:p>
+      </dgm:t>
+    </dgm:pt>
+    <dgm:pt modelId="{24D06DE8-71C5-4176-AB33-C0DE02DCD60E}" type="parTrans" cxnId="{C68E81A7-6ED4-4902-9ECA-F9838A41E568}">
+      <dgm:prSet/>
+      <dgm:spPr/>
+      <dgm:t>
+        <a:bodyPr/>
+        <a:lstStyle/>
+        <a:p>
+          <a:endParaRPr lang="en-US"/>
+        </a:p>
+      </dgm:t>
+    </dgm:pt>
+    <dgm:pt modelId="{B3270D69-E598-4708-92F7-FCACCC7B93B4}" type="sibTrans" cxnId="{C68E81A7-6ED4-4902-9ECA-F9838A41E568}">
+      <dgm:prSet/>
+      <dgm:spPr/>
+      <dgm:t>
+        <a:bodyPr/>
+        <a:lstStyle/>
+        <a:p>
+          <a:endParaRPr lang="en-US"/>
+        </a:p>
+      </dgm:t>
+    </dgm:pt>
+    <dgm:pt modelId="{0F6396F6-996C-420B-AF10-71BAB8A808EB}">
+      <dgm:prSet/>
+      <dgm:spPr/>
+      <dgm:t>
+        <a:bodyPr/>
+        <a:lstStyle/>
+        <a:p>
+          <a:r>
+            <a:rPr lang="en-US" b="1"/>
+            <a:t>Fuel Cost Prediction:</a:t>
+          </a:r>
+          <a:r>
+            <a:rPr lang="en-US"/>
+            <a:t> By monitoring historical fuel price trends and seasonal fluctuations, the company can predict future fuel costs in different areas. This information can be used to plan routes and schedule deliveries during periods when fuel prices are expected to be lower.</a:t>
+          </a:r>
+        </a:p>
+      </dgm:t>
+    </dgm:pt>
+    <dgm:pt modelId="{65D34B12-067B-4841-AC28-3F550782F8E8}" type="parTrans" cxnId="{BA7A3B25-41AB-43A3-BBF3-93799CDCE514}">
+      <dgm:prSet/>
+      <dgm:spPr/>
+      <dgm:t>
+        <a:bodyPr/>
+        <a:lstStyle/>
+        <a:p>
+          <a:endParaRPr lang="en-US"/>
+        </a:p>
+      </dgm:t>
+    </dgm:pt>
+    <dgm:pt modelId="{68514E9F-93EF-4AC2-9217-D20A6D486FD6}" type="sibTrans" cxnId="{BA7A3B25-41AB-43A3-BBF3-93799CDCE514}">
+      <dgm:prSet/>
+      <dgm:spPr/>
+      <dgm:t>
+        <a:bodyPr/>
+        <a:lstStyle/>
+        <a:p>
+          <a:endParaRPr lang="en-US"/>
+        </a:p>
+      </dgm:t>
+    </dgm:pt>
+    <dgm:pt modelId="{6E64CD14-4FE7-475B-857C-43121A1F9E6C}" type="pres">
+      <dgm:prSet presAssocID="{2681AD3B-88D5-49E5-B7DF-5963FC959EF4}" presName="hierChild1" presStyleCnt="0">
+        <dgm:presLayoutVars>
+          <dgm:chPref val="1"/>
+          <dgm:dir/>
+          <dgm:animOne val="branch"/>
+          <dgm:animLvl val="lvl"/>
+          <dgm:resizeHandles/>
+        </dgm:presLayoutVars>
+      </dgm:prSet>
+      <dgm:spPr/>
+    </dgm:pt>
+    <dgm:pt modelId="{1B6A2CBA-D7F9-4D47-8E10-E7E796BE80D1}" type="pres">
+      <dgm:prSet presAssocID="{732E2F4A-1170-4C2C-B83F-FC98BC21F115}" presName="hierRoot1" presStyleCnt="0"/>
+      <dgm:spPr/>
+    </dgm:pt>
+    <dgm:pt modelId="{C86D8617-FACD-47A0-B8A2-79EFF622DCF9}" type="pres">
+      <dgm:prSet presAssocID="{732E2F4A-1170-4C2C-B83F-FC98BC21F115}" presName="composite" presStyleCnt="0"/>
+      <dgm:spPr/>
+    </dgm:pt>
+    <dgm:pt modelId="{7CF611E4-8DB3-46B9-99F8-F50ED26E2C30}" type="pres">
+      <dgm:prSet presAssocID="{732E2F4A-1170-4C2C-B83F-FC98BC21F115}" presName="background" presStyleLbl="node0" presStyleIdx="0" presStyleCnt="2"/>
+      <dgm:spPr/>
+    </dgm:pt>
+    <dgm:pt modelId="{3B66A196-3E45-4916-B3BE-976D23717636}" type="pres">
+      <dgm:prSet presAssocID="{732E2F4A-1170-4C2C-B83F-FC98BC21F115}" presName="text" presStyleLbl="fgAcc0" presStyleIdx="0" presStyleCnt="2">
+        <dgm:presLayoutVars>
+          <dgm:chPref val="3"/>
+        </dgm:presLayoutVars>
+      </dgm:prSet>
+      <dgm:spPr/>
+    </dgm:pt>
+    <dgm:pt modelId="{F422DCFA-1C00-4855-B2A3-667056CE5446}" type="pres">
+      <dgm:prSet presAssocID="{732E2F4A-1170-4C2C-B83F-FC98BC21F115}" presName="hierChild2" presStyleCnt="0"/>
+      <dgm:spPr/>
+    </dgm:pt>
+    <dgm:pt modelId="{262B99F4-46A4-4601-889A-FD912E491434}" type="pres">
+      <dgm:prSet presAssocID="{0F6396F6-996C-420B-AF10-71BAB8A808EB}" presName="hierRoot1" presStyleCnt="0"/>
+      <dgm:spPr/>
+    </dgm:pt>
+    <dgm:pt modelId="{8354CA7C-2BF8-459D-A91B-1895A4EC7D3D}" type="pres">
+      <dgm:prSet presAssocID="{0F6396F6-996C-420B-AF10-71BAB8A808EB}" presName="composite" presStyleCnt="0"/>
+      <dgm:spPr/>
+    </dgm:pt>
+    <dgm:pt modelId="{9EDD78E1-5FE9-47BF-8DAA-3B5F17D4A428}" type="pres">
+      <dgm:prSet presAssocID="{0F6396F6-996C-420B-AF10-71BAB8A808EB}" presName="background" presStyleLbl="node0" presStyleIdx="1" presStyleCnt="2"/>
+      <dgm:spPr/>
+    </dgm:pt>
+    <dgm:pt modelId="{2F81AEF9-500D-44BC-8825-E9C97630AF56}" type="pres">
+      <dgm:prSet presAssocID="{0F6396F6-996C-420B-AF10-71BAB8A808EB}" presName="text" presStyleLbl="fgAcc0" presStyleIdx="1" presStyleCnt="2">
+        <dgm:presLayoutVars>
+          <dgm:chPref val="3"/>
+        </dgm:presLayoutVars>
+      </dgm:prSet>
+      <dgm:spPr/>
+    </dgm:pt>
+    <dgm:pt modelId="{B9D99852-C6F3-4D9A-B8C5-83F1191C8BBD}" type="pres">
+      <dgm:prSet presAssocID="{0F6396F6-996C-420B-AF10-71BAB8A808EB}" presName="hierChild2" presStyleCnt="0"/>
+      <dgm:spPr/>
+    </dgm:pt>
+  </dgm:ptLst>
+  <dgm:cxnLst>
+    <dgm:cxn modelId="{BA7A3B25-41AB-43A3-BBF3-93799CDCE514}" srcId="{2681AD3B-88D5-49E5-B7DF-5963FC959EF4}" destId="{0F6396F6-996C-420B-AF10-71BAB8A808EB}" srcOrd="1" destOrd="0" parTransId="{65D34B12-067B-4841-AC28-3F550782F8E8}" sibTransId="{68514E9F-93EF-4AC2-9217-D20A6D486FD6}"/>
+    <dgm:cxn modelId="{9689EF6B-EF6C-4C6E-A3CA-26D405C3D97B}" type="presOf" srcId="{2681AD3B-88D5-49E5-B7DF-5963FC959EF4}" destId="{6E64CD14-4FE7-475B-857C-43121A1F9E6C}" srcOrd="0" destOrd="0" presId="urn:microsoft.com/office/officeart/2005/8/layout/hierarchy1"/>
+    <dgm:cxn modelId="{C68E81A7-6ED4-4902-9ECA-F9838A41E568}" srcId="{2681AD3B-88D5-49E5-B7DF-5963FC959EF4}" destId="{732E2F4A-1170-4C2C-B83F-FC98BC21F115}" srcOrd="0" destOrd="0" parTransId="{24D06DE8-71C5-4176-AB33-C0DE02DCD60E}" sibTransId="{B3270D69-E598-4708-92F7-FCACCC7B93B4}"/>
+    <dgm:cxn modelId="{2A889FA7-1912-4EB2-A8EB-553EFCF7872F}" type="presOf" srcId="{0F6396F6-996C-420B-AF10-71BAB8A808EB}" destId="{2F81AEF9-500D-44BC-8825-E9C97630AF56}" srcOrd="0" destOrd="0" presId="urn:microsoft.com/office/officeart/2005/8/layout/hierarchy1"/>
+    <dgm:cxn modelId="{119E2DB3-E14A-44D4-A916-3B9277759EEE}" type="presOf" srcId="{732E2F4A-1170-4C2C-B83F-FC98BC21F115}" destId="{3B66A196-3E45-4916-B3BE-976D23717636}" srcOrd="0" destOrd="0" presId="urn:microsoft.com/office/officeart/2005/8/layout/hierarchy1"/>
+    <dgm:cxn modelId="{F6C5AD12-16D1-4BBF-892F-4C9D48E16A4C}" type="presParOf" srcId="{6E64CD14-4FE7-475B-857C-43121A1F9E6C}" destId="{1B6A2CBA-D7F9-4D47-8E10-E7E796BE80D1}" srcOrd="0" destOrd="0" presId="urn:microsoft.com/office/officeart/2005/8/layout/hierarchy1"/>
+    <dgm:cxn modelId="{74BADBD5-E6CA-4535-84CE-57354E88FC88}" type="presParOf" srcId="{1B6A2CBA-D7F9-4D47-8E10-E7E796BE80D1}" destId="{C86D8617-FACD-47A0-B8A2-79EFF622DCF9}" srcOrd="0" destOrd="0" presId="urn:microsoft.com/office/officeart/2005/8/layout/hierarchy1"/>
+    <dgm:cxn modelId="{5F3B96DC-14AD-4BDE-94DF-12736A19EF01}" type="presParOf" srcId="{C86D8617-FACD-47A0-B8A2-79EFF622DCF9}" destId="{7CF611E4-8DB3-46B9-99F8-F50ED26E2C30}" srcOrd="0" destOrd="0" presId="urn:microsoft.com/office/officeart/2005/8/layout/hierarchy1"/>
+    <dgm:cxn modelId="{BF1378FA-B178-474C-8F60-AE0C8078B3FE}" type="presParOf" srcId="{C86D8617-FACD-47A0-B8A2-79EFF622DCF9}" destId="{3B66A196-3E45-4916-B3BE-976D23717636}" srcOrd="1" destOrd="0" presId="urn:microsoft.com/office/officeart/2005/8/layout/hierarchy1"/>
+    <dgm:cxn modelId="{FC694026-F31A-4A2E-BC0F-043FE62B9887}" type="presParOf" srcId="{1B6A2CBA-D7F9-4D47-8E10-E7E796BE80D1}" destId="{F422DCFA-1C00-4855-B2A3-667056CE5446}" srcOrd="1" destOrd="0" presId="urn:microsoft.com/office/officeart/2005/8/layout/hierarchy1"/>
+    <dgm:cxn modelId="{973D84B3-5623-4600-BCC5-1AE37539C456}" type="presParOf" srcId="{6E64CD14-4FE7-475B-857C-43121A1F9E6C}" destId="{262B99F4-46A4-4601-889A-FD912E491434}" srcOrd="1" destOrd="0" presId="urn:microsoft.com/office/officeart/2005/8/layout/hierarchy1"/>
+    <dgm:cxn modelId="{79DAD0E9-A928-4BF3-9E33-B567B84347C5}" type="presParOf" srcId="{262B99F4-46A4-4601-889A-FD912E491434}" destId="{8354CA7C-2BF8-459D-A91B-1895A4EC7D3D}" srcOrd="0" destOrd="0" presId="urn:microsoft.com/office/officeart/2005/8/layout/hierarchy1"/>
+    <dgm:cxn modelId="{85B27148-37FC-4853-8237-A3A032B85E14}" type="presParOf" srcId="{8354CA7C-2BF8-459D-A91B-1895A4EC7D3D}" destId="{9EDD78E1-5FE9-47BF-8DAA-3B5F17D4A428}" srcOrd="0" destOrd="0" presId="urn:microsoft.com/office/officeart/2005/8/layout/hierarchy1"/>
+    <dgm:cxn modelId="{831F943E-660A-41CD-BE10-80C487539D2A}" type="presParOf" srcId="{8354CA7C-2BF8-459D-A91B-1895A4EC7D3D}" destId="{2F81AEF9-500D-44BC-8825-E9C97630AF56}" srcOrd="1" destOrd="0" presId="urn:microsoft.com/office/officeart/2005/8/layout/hierarchy1"/>
+    <dgm:cxn modelId="{4273A1E3-C808-43DE-A158-B2BCB1682D04}" type="presParOf" srcId="{262B99F4-46A4-4601-889A-FD912E491434}" destId="{B9D99852-C6F3-4D9A-B8C5-83F1191C8BBD}" srcOrd="1" destOrd="0" presId="urn:microsoft.com/office/officeart/2005/8/layout/hierarchy1"/>
   </dgm:cxnLst>
   <dgm:bg/>
   <dgm:whole/>
@@ -2531,6 +3496,288 @@
 </dsp:drawing>
 </file>
 
+<file path=ppt/diagrams/drawing3.xml><?xml version="1.0" encoding="utf-8"?>
+<dsp:drawing xmlns:dgm="http://schemas.openxmlformats.org/drawingml/2006/diagram" xmlns:dsp="http://schemas.microsoft.com/office/drawing/2008/diagram" xmlns:a="http://schemas.openxmlformats.org/drawingml/2006/main">
+  <dsp:spTree>
+    <dsp:nvGrpSpPr>
+      <dsp:cNvPr id="0" name=""/>
+      <dsp:cNvGrpSpPr/>
+    </dsp:nvGrpSpPr>
+    <dsp:grpSpPr/>
+    <dsp:sp modelId="{7CF611E4-8DB3-46B9-99F8-F50ED26E2C30}">
+      <dsp:nvSpPr>
+        <dsp:cNvPr id="0" name=""/>
+        <dsp:cNvSpPr/>
+      </dsp:nvSpPr>
+      <dsp:spPr>
+        <a:xfrm>
+          <a:off x="1333" y="110983"/>
+          <a:ext cx="4682211" cy="2973204"/>
+        </a:xfrm>
+        <a:prstGeom prst="roundRect">
+          <a:avLst>
+            <a:gd name="adj" fmla="val 10000"/>
+          </a:avLst>
+        </a:prstGeom>
+        <a:solidFill>
+          <a:schemeClr val="accent1">
+            <a:hueOff val="0"/>
+            <a:satOff val="0"/>
+            <a:lumOff val="0"/>
+            <a:alphaOff val="0"/>
+          </a:schemeClr>
+        </a:solidFill>
+        <a:ln w="12700" cap="flat" cmpd="sng" algn="ctr">
+          <a:solidFill>
+            <a:schemeClr val="lt1">
+              <a:hueOff val="0"/>
+              <a:satOff val="0"/>
+              <a:lumOff val="0"/>
+              <a:alphaOff val="0"/>
+            </a:schemeClr>
+          </a:solidFill>
+          <a:prstDash val="solid"/>
+          <a:miter lim="800000"/>
+        </a:ln>
+        <a:effectLst/>
+      </dsp:spPr>
+      <dsp:style>
+        <a:lnRef idx="2">
+          <a:scrgbClr r="0" g="0" b="0"/>
+        </a:lnRef>
+        <a:fillRef idx="1">
+          <a:scrgbClr r="0" g="0" b="0"/>
+        </a:fillRef>
+        <a:effectRef idx="0">
+          <a:scrgbClr r="0" g="0" b="0"/>
+        </a:effectRef>
+        <a:fontRef idx="minor">
+          <a:schemeClr val="lt1"/>
+        </a:fontRef>
+      </dsp:style>
+    </dsp:sp>
+    <dsp:sp modelId="{3B66A196-3E45-4916-B3BE-976D23717636}">
+      <dsp:nvSpPr>
+        <dsp:cNvPr id="0" name=""/>
+        <dsp:cNvSpPr/>
+      </dsp:nvSpPr>
+      <dsp:spPr>
+        <a:xfrm>
+          <a:off x="521579" y="605216"/>
+          <a:ext cx="4682211" cy="2973204"/>
+        </a:xfrm>
+        <a:prstGeom prst="roundRect">
+          <a:avLst>
+            <a:gd name="adj" fmla="val 10000"/>
+          </a:avLst>
+        </a:prstGeom>
+        <a:solidFill>
+          <a:schemeClr val="lt1">
+            <a:alpha val="90000"/>
+            <a:hueOff val="0"/>
+            <a:satOff val="0"/>
+            <a:lumOff val="0"/>
+            <a:alphaOff val="0"/>
+          </a:schemeClr>
+        </a:solidFill>
+        <a:ln w="12700" cap="flat" cmpd="sng" algn="ctr">
+          <a:solidFill>
+            <a:schemeClr val="accent1">
+              <a:hueOff val="0"/>
+              <a:satOff val="0"/>
+              <a:lumOff val="0"/>
+              <a:alphaOff val="0"/>
+            </a:schemeClr>
+          </a:solidFill>
+          <a:prstDash val="solid"/>
+          <a:miter lim="800000"/>
+        </a:ln>
+        <a:effectLst/>
+      </dsp:spPr>
+      <dsp:style>
+        <a:lnRef idx="2">
+          <a:scrgbClr r="0" g="0" b="0"/>
+        </a:lnRef>
+        <a:fillRef idx="1">
+          <a:scrgbClr r="0" g="0" b="0"/>
+        </a:fillRef>
+        <a:effectRef idx="0">
+          <a:scrgbClr r="0" g="0" b="0"/>
+        </a:effectRef>
+        <a:fontRef idx="minor"/>
+      </dsp:style>
+      <dsp:txBody>
+        <a:bodyPr spcFirstLastPara="0" vert="horz" wrap="square" lIns="80010" tIns="80010" rIns="80010" bIns="80010" numCol="1" spcCol="1270" anchor="ctr" anchorCtr="0">
+          <a:noAutofit/>
+        </a:bodyPr>
+        <a:lstStyle/>
+        <a:p>
+          <a:pPr marL="0" lvl="0" indent="0" algn="ctr" defTabSz="933450">
+            <a:lnSpc>
+              <a:spcPct val="90000"/>
+            </a:lnSpc>
+            <a:spcBef>
+              <a:spcPct val="0"/>
+            </a:spcBef>
+            <a:spcAft>
+              <a:spcPct val="35000"/>
+            </a:spcAft>
+            <a:buNone/>
+          </a:pPr>
+          <a:r>
+            <a:rPr lang="en-US" sz="2100" b="1" kern="1200"/>
+            <a:t>Route Optimization:</a:t>
+          </a:r>
+          <a:r>
+            <a:rPr lang="en-US" sz="2100" kern="1200"/>
+            <a:t> By analyzing the fuel prices in different towns over the specified period, the company can identify the most cost-effective routes for its vehicles. For example, if certain towns consistently have lower fuel prices compared to others, the company can prioritize routes that pass through these towns.</a:t>
+          </a:r>
+        </a:p>
+      </dsp:txBody>
+      <dsp:txXfrm>
+        <a:off x="608661" y="692298"/>
+        <a:ext cx="4508047" cy="2799040"/>
+      </dsp:txXfrm>
+    </dsp:sp>
+    <dsp:sp modelId="{9EDD78E1-5FE9-47BF-8DAA-3B5F17D4A428}">
+      <dsp:nvSpPr>
+        <dsp:cNvPr id="0" name=""/>
+        <dsp:cNvSpPr/>
+      </dsp:nvSpPr>
+      <dsp:spPr>
+        <a:xfrm>
+          <a:off x="5724037" y="110983"/>
+          <a:ext cx="4682211" cy="2973204"/>
+        </a:xfrm>
+        <a:prstGeom prst="roundRect">
+          <a:avLst>
+            <a:gd name="adj" fmla="val 10000"/>
+          </a:avLst>
+        </a:prstGeom>
+        <a:solidFill>
+          <a:schemeClr val="accent1">
+            <a:hueOff val="0"/>
+            <a:satOff val="0"/>
+            <a:lumOff val="0"/>
+            <a:alphaOff val="0"/>
+          </a:schemeClr>
+        </a:solidFill>
+        <a:ln w="12700" cap="flat" cmpd="sng" algn="ctr">
+          <a:solidFill>
+            <a:schemeClr val="lt1">
+              <a:hueOff val="0"/>
+              <a:satOff val="0"/>
+              <a:lumOff val="0"/>
+              <a:alphaOff val="0"/>
+            </a:schemeClr>
+          </a:solidFill>
+          <a:prstDash val="solid"/>
+          <a:miter lim="800000"/>
+        </a:ln>
+        <a:effectLst/>
+      </dsp:spPr>
+      <dsp:style>
+        <a:lnRef idx="2">
+          <a:scrgbClr r="0" g="0" b="0"/>
+        </a:lnRef>
+        <a:fillRef idx="1">
+          <a:scrgbClr r="0" g="0" b="0"/>
+        </a:fillRef>
+        <a:effectRef idx="0">
+          <a:scrgbClr r="0" g="0" b="0"/>
+        </a:effectRef>
+        <a:fontRef idx="minor">
+          <a:schemeClr val="lt1"/>
+        </a:fontRef>
+      </dsp:style>
+    </dsp:sp>
+    <dsp:sp modelId="{2F81AEF9-500D-44BC-8825-E9C97630AF56}">
+      <dsp:nvSpPr>
+        <dsp:cNvPr id="0" name=""/>
+        <dsp:cNvSpPr/>
+      </dsp:nvSpPr>
+      <dsp:spPr>
+        <a:xfrm>
+          <a:off x="6244283" y="605216"/>
+          <a:ext cx="4682211" cy="2973204"/>
+        </a:xfrm>
+        <a:prstGeom prst="roundRect">
+          <a:avLst>
+            <a:gd name="adj" fmla="val 10000"/>
+          </a:avLst>
+        </a:prstGeom>
+        <a:solidFill>
+          <a:schemeClr val="lt1">
+            <a:alpha val="90000"/>
+            <a:hueOff val="0"/>
+            <a:satOff val="0"/>
+            <a:lumOff val="0"/>
+            <a:alphaOff val="0"/>
+          </a:schemeClr>
+        </a:solidFill>
+        <a:ln w="12700" cap="flat" cmpd="sng" algn="ctr">
+          <a:solidFill>
+            <a:schemeClr val="accent1">
+              <a:hueOff val="0"/>
+              <a:satOff val="0"/>
+              <a:lumOff val="0"/>
+              <a:alphaOff val="0"/>
+            </a:schemeClr>
+          </a:solidFill>
+          <a:prstDash val="solid"/>
+          <a:miter lim="800000"/>
+        </a:ln>
+        <a:effectLst/>
+      </dsp:spPr>
+      <dsp:style>
+        <a:lnRef idx="2">
+          <a:scrgbClr r="0" g="0" b="0"/>
+        </a:lnRef>
+        <a:fillRef idx="1">
+          <a:scrgbClr r="0" g="0" b="0"/>
+        </a:fillRef>
+        <a:effectRef idx="0">
+          <a:scrgbClr r="0" g="0" b="0"/>
+        </a:effectRef>
+        <a:fontRef idx="minor"/>
+      </dsp:style>
+      <dsp:txBody>
+        <a:bodyPr spcFirstLastPara="0" vert="horz" wrap="square" lIns="80010" tIns="80010" rIns="80010" bIns="80010" numCol="1" spcCol="1270" anchor="ctr" anchorCtr="0">
+          <a:noAutofit/>
+        </a:bodyPr>
+        <a:lstStyle/>
+        <a:p>
+          <a:pPr marL="0" lvl="0" indent="0" algn="ctr" defTabSz="933450">
+            <a:lnSpc>
+              <a:spcPct val="90000"/>
+            </a:lnSpc>
+            <a:spcBef>
+              <a:spcPct val="0"/>
+            </a:spcBef>
+            <a:spcAft>
+              <a:spcPct val="35000"/>
+            </a:spcAft>
+            <a:buNone/>
+          </a:pPr>
+          <a:r>
+            <a:rPr lang="en-US" sz="2100" b="1" kern="1200"/>
+            <a:t>Fuel Cost Prediction:</a:t>
+          </a:r>
+          <a:r>
+            <a:rPr lang="en-US" sz="2100" kern="1200"/>
+            <a:t> By monitoring historical fuel price trends and seasonal fluctuations, the company can predict future fuel costs in different areas. This information can be used to plan routes and schedule deliveries during periods when fuel prices are expected to be lower.</a:t>
+          </a:r>
+        </a:p>
+      </dsp:txBody>
+      <dsp:txXfrm>
+        <a:off x="6331365" y="692298"/>
+        <a:ext cx="4508047" cy="2799040"/>
+      </dsp:txXfrm>
+    </dsp:sp>
+  </dsp:spTree>
+</dsp:drawing>
+</file>
+
 <file path=ppt/diagrams/layout1.xml><?xml version="1.0" encoding="utf-8"?>
 <dgm:layoutDef xmlns:dgm="http://schemas.openxmlformats.org/drawingml/2006/diagram" xmlns:a="http://schemas.openxmlformats.org/drawingml/2006/main" uniqueId="urn:microsoft.com/office/officeart/2005/8/layout/process4">
   <dgm:title val=""/>
@@ -3051,6 +4298,569 @@
 </dgm:layoutDef>
 </file>
 
+<file path=ppt/diagrams/layout3.xml><?xml version="1.0" encoding="utf-8"?>
+<dgm:layoutDef xmlns:dgm="http://schemas.openxmlformats.org/drawingml/2006/diagram" xmlns:a="http://schemas.openxmlformats.org/drawingml/2006/main" uniqueId="urn:microsoft.com/office/officeart/2005/8/layout/hierarchy1">
+  <dgm:title val=""/>
+  <dgm:desc val=""/>
+  <dgm:catLst>
+    <dgm:cat type="hierarchy" pri="2000"/>
+  </dgm:catLst>
+  <dgm:sampData>
+    <dgm:dataModel>
+      <dgm:ptLst>
+        <dgm:pt modelId="0" type="doc"/>
+        <dgm:pt modelId="1">
+          <dgm:prSet phldr="1"/>
+        </dgm:pt>
+        <dgm:pt modelId="2">
+          <dgm:prSet phldr="1"/>
+        </dgm:pt>
+        <dgm:pt modelId="21">
+          <dgm:prSet phldr="1"/>
+        </dgm:pt>
+        <dgm:pt modelId="22">
+          <dgm:prSet phldr="1"/>
+        </dgm:pt>
+        <dgm:pt modelId="3">
+          <dgm:prSet phldr="1"/>
+        </dgm:pt>
+        <dgm:pt modelId="31">
+          <dgm:prSet phldr="1"/>
+        </dgm:pt>
+      </dgm:ptLst>
+      <dgm:cxnLst>
+        <dgm:cxn modelId="4" srcId="0" destId="1" srcOrd="0" destOrd="0"/>
+        <dgm:cxn modelId="5" srcId="1" destId="2" srcOrd="0" destOrd="0"/>
+        <dgm:cxn modelId="6" srcId="1" destId="3" srcOrd="1" destOrd="0"/>
+        <dgm:cxn modelId="23" srcId="2" destId="21" srcOrd="0" destOrd="0"/>
+        <dgm:cxn modelId="24" srcId="2" destId="22" srcOrd="1" destOrd="0"/>
+        <dgm:cxn modelId="33" srcId="3" destId="31" srcOrd="0" destOrd="0"/>
+      </dgm:cxnLst>
+      <dgm:bg/>
+      <dgm:whole/>
+    </dgm:dataModel>
+  </dgm:sampData>
+  <dgm:styleData>
+    <dgm:dataModel>
+      <dgm:ptLst>
+        <dgm:pt modelId="0" type="doc"/>
+        <dgm:pt modelId="1"/>
+        <dgm:pt modelId="11"/>
+        <dgm:pt modelId="12"/>
+      </dgm:ptLst>
+      <dgm:cxnLst>
+        <dgm:cxn modelId="2" srcId="0" destId="1" srcOrd="0" destOrd="0"/>
+        <dgm:cxn modelId="13" srcId="1" destId="11" srcOrd="0" destOrd="0"/>
+        <dgm:cxn modelId="14" srcId="1" destId="12" srcOrd="1" destOrd="0"/>
+      </dgm:cxnLst>
+      <dgm:bg/>
+      <dgm:whole/>
+    </dgm:dataModel>
+  </dgm:styleData>
+  <dgm:clrData>
+    <dgm:dataModel>
+      <dgm:ptLst>
+        <dgm:pt modelId="0" type="doc"/>
+        <dgm:pt modelId="1"/>
+        <dgm:pt modelId="2"/>
+        <dgm:pt modelId="21"/>
+        <dgm:pt modelId="211"/>
+        <dgm:pt modelId="3"/>
+        <dgm:pt modelId="31"/>
+        <dgm:pt modelId="311"/>
+      </dgm:ptLst>
+      <dgm:cxnLst>
+        <dgm:cxn modelId="4" srcId="0" destId="1" srcOrd="0" destOrd="0"/>
+        <dgm:cxn modelId="5" srcId="1" destId="2" srcOrd="0" destOrd="0"/>
+        <dgm:cxn modelId="6" srcId="1" destId="3" srcOrd="1" destOrd="0"/>
+        <dgm:cxn modelId="23" srcId="2" destId="21" srcOrd="0" destOrd="0"/>
+        <dgm:cxn modelId="24" srcId="21" destId="211" srcOrd="0" destOrd="0"/>
+        <dgm:cxn modelId="33" srcId="3" destId="31" srcOrd="0" destOrd="0"/>
+        <dgm:cxn modelId="34" srcId="31" destId="311" srcOrd="0" destOrd="0"/>
+      </dgm:cxnLst>
+      <dgm:bg/>
+      <dgm:whole/>
+    </dgm:dataModel>
+  </dgm:clrData>
+  <dgm:layoutNode name="hierChild1">
+    <dgm:varLst>
+      <dgm:chPref val="1"/>
+      <dgm:dir/>
+      <dgm:animOne val="branch"/>
+      <dgm:animLvl val="lvl"/>
+      <dgm:resizeHandles/>
+    </dgm:varLst>
+    <dgm:choose name="Name0">
+      <dgm:if name="Name1" func="var" arg="dir" op="equ" val="norm">
+        <dgm:alg type="hierChild">
+          <dgm:param type="linDir" val="fromL"/>
+        </dgm:alg>
+      </dgm:if>
+      <dgm:else name="Name2">
+        <dgm:alg type="hierChild">
+          <dgm:param type="linDir" val="fromR"/>
+        </dgm:alg>
+      </dgm:else>
+    </dgm:choose>
+    <dgm:shape xmlns:r="http://schemas.openxmlformats.org/officeDocument/2006/relationships" r:blip="">
+      <dgm:adjLst/>
+    </dgm:shape>
+    <dgm:presOf/>
+    <dgm:constrLst>
+      <dgm:constr type="primFontSz" for="des" ptType="node" op="equ" val="65"/>
+      <dgm:constr type="w" for="des" forName="composite" refType="w"/>
+      <dgm:constr type="h" for="des" forName="composite" refType="w" refFor="des" refForName="composite" fact="0.667"/>
+      <dgm:constr type="w" for="des" forName="composite2" refType="w" refFor="des" refForName="composite"/>
+      <dgm:constr type="h" for="des" forName="composite2" refType="h" refFor="des" refForName="composite"/>
+      <dgm:constr type="w" for="des" forName="composite3" refType="w" refFor="des" refForName="composite"/>
+      <dgm:constr type="h" for="des" forName="composite3" refType="h" refFor="des" refForName="composite"/>
+      <dgm:constr type="w" for="des" forName="composite4" refType="w" refFor="des" refForName="composite"/>
+      <dgm:constr type="h" for="des" forName="composite4" refType="h" refFor="des" refForName="composite"/>
+      <dgm:constr type="w" for="des" forName="composite5" refType="w" refFor="des" refForName="composite"/>
+      <dgm:constr type="h" for="des" forName="composite5" refType="h" refFor="des" refForName="composite"/>
+      <dgm:constr type="sibSp" refType="w" refFor="des" refForName="composite" fact="0.1"/>
+      <dgm:constr type="sibSp" for="des" forName="hierChild2" refType="sibSp"/>
+      <dgm:constr type="sibSp" for="des" forName="hierChild3" refType="sibSp"/>
+      <dgm:constr type="sibSp" for="des" forName="hierChild4" refType="sibSp"/>
+      <dgm:constr type="sibSp" for="des" forName="hierChild5" refType="sibSp"/>
+      <dgm:constr type="sibSp" for="des" forName="hierChild6" refType="sibSp"/>
+      <dgm:constr type="sp" for="des" forName="hierRoot1" refType="h" refFor="des" refForName="composite" fact="0.25"/>
+      <dgm:constr type="sp" for="des" forName="hierRoot2" refType="sp" refFor="des" refForName="hierRoot1"/>
+      <dgm:constr type="sp" for="des" forName="hierRoot3" refType="sp" refFor="des" refForName="hierRoot1"/>
+      <dgm:constr type="sp" for="des" forName="hierRoot4" refType="sp" refFor="des" refForName="hierRoot1"/>
+      <dgm:constr type="sp" for="des" forName="hierRoot5" refType="sp" refFor="des" refForName="hierRoot1"/>
+    </dgm:constrLst>
+    <dgm:ruleLst/>
+    <dgm:forEach name="Name3" axis="ch">
+      <dgm:forEach name="Name4" axis="self" ptType="node">
+        <dgm:layoutNode name="hierRoot1">
+          <dgm:alg type="hierRoot"/>
+          <dgm:shape xmlns:r="http://schemas.openxmlformats.org/officeDocument/2006/relationships" r:blip="">
+            <dgm:adjLst/>
+          </dgm:shape>
+          <dgm:presOf/>
+          <dgm:constrLst>
+            <dgm:constr type="bendDist" for="des" ptType="parTrans" refType="sp" fact="0.5"/>
+          </dgm:constrLst>
+          <dgm:ruleLst/>
+          <dgm:layoutNode name="composite">
+            <dgm:alg type="composite"/>
+            <dgm:shape xmlns:r="http://schemas.openxmlformats.org/officeDocument/2006/relationships" r:blip="">
+              <dgm:adjLst/>
+            </dgm:shape>
+            <dgm:presOf/>
+            <dgm:constrLst>
+              <dgm:constr type="w" for="ch" forName="background" refType="w" fact="0.9"/>
+              <dgm:constr type="h" for="ch" forName="background" refType="w" refFor="ch" refForName="background" fact="0.635"/>
+              <dgm:constr type="t" for="ch" forName="background"/>
+              <dgm:constr type="l" for="ch" forName="background"/>
+              <dgm:constr type="w" for="ch" forName="text" refType="w" fact="0.9"/>
+              <dgm:constr type="h" for="ch" forName="text" refType="w" refFor="ch" refForName="text" fact="0.635"/>
+              <dgm:constr type="t" for="ch" forName="text" refType="w" fact="0.095"/>
+              <dgm:constr type="l" for="ch" forName="text" refType="w" fact="0.1"/>
+            </dgm:constrLst>
+            <dgm:ruleLst/>
+            <dgm:layoutNode name="background" styleLbl="node0" moveWith="text">
+              <dgm:alg type="sp"/>
+              <dgm:shape xmlns:r="http://schemas.openxmlformats.org/officeDocument/2006/relationships" type="roundRect" r:blip="">
+                <dgm:adjLst>
+                  <dgm:adj idx="1" val="0.1"/>
+                </dgm:adjLst>
+              </dgm:shape>
+              <dgm:presOf/>
+              <dgm:constrLst/>
+              <dgm:ruleLst/>
+            </dgm:layoutNode>
+            <dgm:layoutNode name="text" styleLbl="fgAcc0">
+              <dgm:varLst>
+                <dgm:chPref val="3"/>
+              </dgm:varLst>
+              <dgm:alg type="tx"/>
+              <dgm:shape xmlns:r="http://schemas.openxmlformats.org/officeDocument/2006/relationships" type="roundRect" r:blip="">
+                <dgm:adjLst>
+                  <dgm:adj idx="1" val="0.1"/>
+                </dgm:adjLst>
+              </dgm:shape>
+              <dgm:presOf axis="self"/>
+              <dgm:constrLst>
+                <dgm:constr type="tMarg" refType="primFontSz" fact="0.3"/>
+                <dgm:constr type="bMarg" refType="primFontSz" fact="0.3"/>
+                <dgm:constr type="lMarg" refType="primFontSz" fact="0.3"/>
+                <dgm:constr type="rMarg" refType="primFontSz" fact="0.3"/>
+              </dgm:constrLst>
+              <dgm:ruleLst>
+                <dgm:rule type="primFontSz" val="5" fact="NaN" max="NaN"/>
+              </dgm:ruleLst>
+            </dgm:layoutNode>
+          </dgm:layoutNode>
+          <dgm:layoutNode name="hierChild2">
+            <dgm:choose name="Name5">
+              <dgm:if name="Name6" func="var" arg="dir" op="equ" val="norm">
+                <dgm:alg type="hierChild">
+                  <dgm:param type="linDir" val="fromL"/>
+                </dgm:alg>
+              </dgm:if>
+              <dgm:else name="Name7">
+                <dgm:alg type="hierChild">
+                  <dgm:param type="linDir" val="fromR"/>
+                </dgm:alg>
+              </dgm:else>
+            </dgm:choose>
+            <dgm:shape xmlns:r="http://schemas.openxmlformats.org/officeDocument/2006/relationships" r:blip="">
+              <dgm:adjLst/>
+            </dgm:shape>
+            <dgm:presOf/>
+            <dgm:constrLst/>
+            <dgm:ruleLst/>
+            <dgm:forEach name="Name8" axis="ch">
+              <dgm:forEach name="Name9" axis="self" ptType="parTrans" cnt="1">
+                <dgm:layoutNode name="Name10">
+                  <dgm:alg type="conn">
+                    <dgm:param type="dim" val="1D"/>
+                    <dgm:param type="endSty" val="noArr"/>
+                    <dgm:param type="connRout" val="bend"/>
+                    <dgm:param type="bendPt" val="end"/>
+                    <dgm:param type="begPts" val="bCtr"/>
+                    <dgm:param type="endPts" val="tCtr"/>
+                    <dgm:param type="srcNode" val="background"/>
+                    <dgm:param type="dstNode" val="background2"/>
+                  </dgm:alg>
+                  <dgm:shape xmlns:r="http://schemas.openxmlformats.org/officeDocument/2006/relationships" type="conn" r:blip="" zOrderOff="-999">
+                    <dgm:adjLst/>
+                  </dgm:shape>
+                  <dgm:presOf axis="self"/>
+                  <dgm:constrLst>
+                    <dgm:constr type="begPad"/>
+                    <dgm:constr type="endPad"/>
+                  </dgm:constrLst>
+                  <dgm:ruleLst/>
+                </dgm:layoutNode>
+              </dgm:forEach>
+              <dgm:forEach name="Name11" axis="self" ptType="node">
+                <dgm:layoutNode name="hierRoot2">
+                  <dgm:alg type="hierRoot"/>
+                  <dgm:shape xmlns:r="http://schemas.openxmlformats.org/officeDocument/2006/relationships" r:blip="">
+                    <dgm:adjLst/>
+                  </dgm:shape>
+                  <dgm:presOf/>
+                  <dgm:constrLst>
+                    <dgm:constr type="bendDist" for="des" ptType="parTrans" refType="sp" fact="0.5"/>
+                  </dgm:constrLst>
+                  <dgm:ruleLst/>
+                  <dgm:layoutNode name="composite2">
+                    <dgm:alg type="composite"/>
+                    <dgm:shape xmlns:r="http://schemas.openxmlformats.org/officeDocument/2006/relationships" r:blip="">
+                      <dgm:adjLst/>
+                    </dgm:shape>
+                    <dgm:presOf/>
+                    <dgm:constrLst>
+                      <dgm:constr type="w" for="ch" forName="background2" refType="w" fact="0.9"/>
+                      <dgm:constr type="h" for="ch" forName="background2" refType="w" refFor="ch" refForName="background2" fact="0.635"/>
+                      <dgm:constr type="t" for="ch" forName="background2"/>
+                      <dgm:constr type="l" for="ch" forName="background2"/>
+                      <dgm:constr type="w" for="ch" forName="text2" refType="w" fact="0.9"/>
+                      <dgm:constr type="h" for="ch" forName="text2" refType="w" refFor="ch" refForName="text2" fact="0.635"/>
+                      <dgm:constr type="t" for="ch" forName="text2" refType="w" fact="0.095"/>
+                      <dgm:constr type="l" for="ch" forName="text2" refType="w" fact="0.1"/>
+                    </dgm:constrLst>
+                    <dgm:ruleLst/>
+                    <dgm:layoutNode name="background2" moveWith="text2">
+                      <dgm:alg type="sp"/>
+                      <dgm:shape xmlns:r="http://schemas.openxmlformats.org/officeDocument/2006/relationships" type="roundRect" r:blip="">
+                        <dgm:adjLst>
+                          <dgm:adj idx="1" val="0.1"/>
+                        </dgm:adjLst>
+                      </dgm:shape>
+                      <dgm:presOf/>
+                      <dgm:constrLst/>
+                      <dgm:ruleLst/>
+                    </dgm:layoutNode>
+                    <dgm:layoutNode name="text2" styleLbl="fgAcc2">
+                      <dgm:varLst>
+                        <dgm:chPref val="3"/>
+                      </dgm:varLst>
+                      <dgm:alg type="tx"/>
+                      <dgm:shape xmlns:r="http://schemas.openxmlformats.org/officeDocument/2006/relationships" type="roundRect" r:blip="">
+                        <dgm:adjLst>
+                          <dgm:adj idx="1" val="0.1"/>
+                        </dgm:adjLst>
+                      </dgm:shape>
+                      <dgm:presOf axis="self"/>
+                      <dgm:constrLst>
+                        <dgm:constr type="tMarg" refType="primFontSz" fact="0.3"/>
+                        <dgm:constr type="bMarg" refType="primFontSz" fact="0.3"/>
+                        <dgm:constr type="lMarg" refType="primFontSz" fact="0.3"/>
+                        <dgm:constr type="rMarg" refType="primFontSz" fact="0.3"/>
+                      </dgm:constrLst>
+                      <dgm:ruleLst>
+                        <dgm:rule type="primFontSz" val="5" fact="NaN" max="NaN"/>
+                      </dgm:ruleLst>
+                    </dgm:layoutNode>
+                  </dgm:layoutNode>
+                  <dgm:layoutNode name="hierChild3">
+                    <dgm:choose name="Name12">
+                      <dgm:if name="Name13" func="var" arg="dir" op="equ" val="norm">
+                        <dgm:alg type="hierChild">
+                          <dgm:param type="linDir" val="fromL"/>
+                        </dgm:alg>
+                      </dgm:if>
+                      <dgm:else name="Name14">
+                        <dgm:alg type="hierChild">
+                          <dgm:param type="linDir" val="fromR"/>
+                        </dgm:alg>
+                      </dgm:else>
+                    </dgm:choose>
+                    <dgm:shape xmlns:r="http://schemas.openxmlformats.org/officeDocument/2006/relationships" r:blip="">
+                      <dgm:adjLst/>
+                    </dgm:shape>
+                    <dgm:presOf/>
+                    <dgm:constrLst/>
+                    <dgm:ruleLst/>
+                    <dgm:forEach name="Name15" axis="ch">
+                      <dgm:forEach name="Name16" axis="self" ptType="parTrans" cnt="1">
+                        <dgm:layoutNode name="Name17">
+                          <dgm:alg type="conn">
+                            <dgm:param type="dim" val="1D"/>
+                            <dgm:param type="endSty" val="noArr"/>
+                            <dgm:param type="connRout" val="bend"/>
+                            <dgm:param type="bendPt" val="end"/>
+                            <dgm:param type="begPts" val="bCtr"/>
+                            <dgm:param type="endPts" val="tCtr"/>
+                            <dgm:param type="srcNode" val="background2"/>
+                            <dgm:param type="dstNode" val="background3"/>
+                          </dgm:alg>
+                          <dgm:shape xmlns:r="http://schemas.openxmlformats.org/officeDocument/2006/relationships" type="conn" r:blip="" zOrderOff="-999">
+                            <dgm:adjLst/>
+                          </dgm:shape>
+                          <dgm:presOf axis="self"/>
+                          <dgm:constrLst>
+                            <dgm:constr type="begPad"/>
+                            <dgm:constr type="endPad"/>
+                          </dgm:constrLst>
+                          <dgm:ruleLst/>
+                        </dgm:layoutNode>
+                      </dgm:forEach>
+                      <dgm:forEach name="Name18" axis="self" ptType="node">
+                        <dgm:layoutNode name="hierRoot3">
+                          <dgm:alg type="hierRoot"/>
+                          <dgm:shape xmlns:r="http://schemas.openxmlformats.org/officeDocument/2006/relationships" r:blip="">
+                            <dgm:adjLst/>
+                          </dgm:shape>
+                          <dgm:presOf/>
+                          <dgm:constrLst>
+                            <dgm:constr type="bendDist" for="des" ptType="parTrans" refType="sp" fact="0.5"/>
+                          </dgm:constrLst>
+                          <dgm:ruleLst/>
+                          <dgm:layoutNode name="composite3">
+                            <dgm:alg type="composite"/>
+                            <dgm:shape xmlns:r="http://schemas.openxmlformats.org/officeDocument/2006/relationships" r:blip="">
+                              <dgm:adjLst/>
+                            </dgm:shape>
+                            <dgm:presOf/>
+                            <dgm:constrLst>
+                              <dgm:constr type="w" for="ch" forName="background3" refType="w" fact="0.9"/>
+                              <dgm:constr type="h" for="ch" forName="background3" refType="w" refFor="ch" refForName="background3" fact="0.635"/>
+                              <dgm:constr type="t" for="ch" forName="background3"/>
+                              <dgm:constr type="l" for="ch" forName="background3"/>
+                              <dgm:constr type="w" for="ch" forName="text3" refType="w" fact="0.9"/>
+                              <dgm:constr type="h" for="ch" forName="text3" refType="w" refFor="ch" refForName="text3" fact="0.635"/>
+                              <dgm:constr type="t" for="ch" forName="text3" refType="w" fact="0.095"/>
+                              <dgm:constr type="l" for="ch" forName="text3" refType="w" fact="0.1"/>
+                            </dgm:constrLst>
+                            <dgm:ruleLst/>
+                            <dgm:layoutNode name="background3" moveWith="text3">
+                              <dgm:alg type="sp"/>
+                              <dgm:shape xmlns:r="http://schemas.openxmlformats.org/officeDocument/2006/relationships" type="roundRect" r:blip="">
+                                <dgm:adjLst>
+                                  <dgm:adj idx="1" val="0.1"/>
+                                </dgm:adjLst>
+                              </dgm:shape>
+                              <dgm:presOf/>
+                              <dgm:constrLst/>
+                              <dgm:ruleLst/>
+                            </dgm:layoutNode>
+                            <dgm:layoutNode name="text3" styleLbl="fgAcc3">
+                              <dgm:varLst>
+                                <dgm:chPref val="3"/>
+                              </dgm:varLst>
+                              <dgm:alg type="tx"/>
+                              <dgm:shape xmlns:r="http://schemas.openxmlformats.org/officeDocument/2006/relationships" type="roundRect" r:blip="">
+                                <dgm:adjLst>
+                                  <dgm:adj idx="1" val="0.1"/>
+                                </dgm:adjLst>
+                              </dgm:shape>
+                              <dgm:presOf axis="self"/>
+                              <dgm:constrLst>
+                                <dgm:constr type="tMarg" refType="primFontSz" fact="0.3"/>
+                                <dgm:constr type="bMarg" refType="primFontSz" fact="0.3"/>
+                                <dgm:constr type="lMarg" refType="primFontSz" fact="0.3"/>
+                                <dgm:constr type="rMarg" refType="primFontSz" fact="0.3"/>
+                              </dgm:constrLst>
+                              <dgm:ruleLst>
+                                <dgm:rule type="primFontSz" val="5" fact="NaN" max="NaN"/>
+                              </dgm:ruleLst>
+                            </dgm:layoutNode>
+                          </dgm:layoutNode>
+                          <dgm:layoutNode name="hierChild4">
+                            <dgm:choose name="Name19">
+                              <dgm:if name="Name20" func="var" arg="dir" op="equ" val="norm">
+                                <dgm:alg type="hierChild">
+                                  <dgm:param type="linDir" val="fromL"/>
+                                </dgm:alg>
+                              </dgm:if>
+                              <dgm:else name="Name21">
+                                <dgm:alg type="hierChild">
+                                  <dgm:param type="linDir" val="fromR"/>
+                                </dgm:alg>
+                              </dgm:else>
+                            </dgm:choose>
+                            <dgm:shape xmlns:r="http://schemas.openxmlformats.org/officeDocument/2006/relationships" r:blip="">
+                              <dgm:adjLst/>
+                            </dgm:shape>
+                            <dgm:presOf/>
+                            <dgm:constrLst/>
+                            <dgm:ruleLst/>
+                            <dgm:forEach name="repeat" axis="ch">
+                              <dgm:forEach name="Name22" axis="self" ptType="parTrans" cnt="1">
+                                <dgm:layoutNode name="Name23">
+                                  <dgm:choose name="Name24">
+                                    <dgm:if name="Name25" axis="self" func="depth" op="lte" val="4">
+                                      <dgm:alg type="conn">
+                                        <dgm:param type="dim" val="1D"/>
+                                        <dgm:param type="endSty" val="noArr"/>
+                                        <dgm:param type="connRout" val="bend"/>
+                                        <dgm:param type="bendPt" val="end"/>
+                                        <dgm:param type="begPts" val="bCtr"/>
+                                        <dgm:param type="endPts" val="tCtr"/>
+                                        <dgm:param type="srcNode" val="background3"/>
+                                        <dgm:param type="dstNode" val="background4"/>
+                                      </dgm:alg>
+                                    </dgm:if>
+                                    <dgm:else name="Name26">
+                                      <dgm:alg type="conn">
+                                        <dgm:param type="dim" val="1D"/>
+                                        <dgm:param type="endSty" val="noArr"/>
+                                        <dgm:param type="connRout" val="bend"/>
+                                        <dgm:param type="bendPt" val="end"/>
+                                        <dgm:param type="begPts" val="bCtr"/>
+                                        <dgm:param type="endPts" val="tCtr"/>
+                                        <dgm:param type="srcNode" val="background4"/>
+                                        <dgm:param type="dstNode" val="background4"/>
+                                      </dgm:alg>
+                                    </dgm:else>
+                                  </dgm:choose>
+                                  <dgm:shape xmlns:r="http://schemas.openxmlformats.org/officeDocument/2006/relationships" type="conn" r:blip="" zOrderOff="-999">
+                                    <dgm:adjLst/>
+                                  </dgm:shape>
+                                  <dgm:presOf axis="self"/>
+                                  <dgm:constrLst>
+                                    <dgm:constr type="begPad"/>
+                                    <dgm:constr type="endPad"/>
+                                  </dgm:constrLst>
+                                  <dgm:ruleLst/>
+                                </dgm:layoutNode>
+                              </dgm:forEach>
+                              <dgm:forEach name="Name27" axis="self" ptType="node">
+                                <dgm:layoutNode name="hierRoot4">
+                                  <dgm:alg type="hierRoot"/>
+                                  <dgm:shape xmlns:r="http://schemas.openxmlformats.org/officeDocument/2006/relationships" r:blip="">
+                                    <dgm:adjLst/>
+                                  </dgm:shape>
+                                  <dgm:presOf/>
+                                  <dgm:constrLst>
+                                    <dgm:constr type="bendDist" for="des" ptType="parTrans" refType="sp" fact="0.5"/>
+                                  </dgm:constrLst>
+                                  <dgm:ruleLst/>
+                                  <dgm:layoutNode name="composite4">
+                                    <dgm:alg type="composite"/>
+                                    <dgm:shape xmlns:r="http://schemas.openxmlformats.org/officeDocument/2006/relationships" r:blip="">
+                                      <dgm:adjLst/>
+                                    </dgm:shape>
+                                    <dgm:presOf/>
+                                    <dgm:constrLst>
+                                      <dgm:constr type="w" for="ch" forName="background4" refType="w" fact="0.9"/>
+                                      <dgm:constr type="h" for="ch" forName="background4" refType="w" refFor="ch" refForName="background4" fact="0.635"/>
+                                      <dgm:constr type="t" for="ch" forName="background4"/>
+                                      <dgm:constr type="l" for="ch" forName="background4"/>
+                                      <dgm:constr type="w" for="ch" forName="text4" refType="w" fact="0.9"/>
+                                      <dgm:constr type="h" for="ch" forName="text4" refType="w" refFor="ch" refForName="text4" fact="0.635"/>
+                                      <dgm:constr type="t" for="ch" forName="text4" refType="w" fact="0.095"/>
+                                      <dgm:constr type="l" for="ch" forName="text4" refType="w" fact="0.1"/>
+                                    </dgm:constrLst>
+                                    <dgm:ruleLst/>
+                                    <dgm:layoutNode name="background4" moveWith="text4">
+                                      <dgm:alg type="sp"/>
+                                      <dgm:shape xmlns:r="http://schemas.openxmlformats.org/officeDocument/2006/relationships" type="roundRect" r:blip="">
+                                        <dgm:adjLst>
+                                          <dgm:adj idx="1" val="0.1"/>
+                                        </dgm:adjLst>
+                                      </dgm:shape>
+                                      <dgm:presOf/>
+                                      <dgm:constrLst/>
+                                      <dgm:ruleLst/>
+                                    </dgm:layoutNode>
+                                    <dgm:layoutNode name="text4" styleLbl="fgAcc4">
+                                      <dgm:varLst>
+                                        <dgm:chPref val="3"/>
+                                      </dgm:varLst>
+                                      <dgm:alg type="tx"/>
+                                      <dgm:shape xmlns:r="http://schemas.openxmlformats.org/officeDocument/2006/relationships" type="roundRect" r:blip="">
+                                        <dgm:adjLst>
+                                          <dgm:adj idx="1" val="0.1"/>
+                                        </dgm:adjLst>
+                                      </dgm:shape>
+                                      <dgm:presOf axis="self"/>
+                                      <dgm:constrLst>
+                                        <dgm:constr type="tMarg" refType="primFontSz" fact="0.3"/>
+                                        <dgm:constr type="bMarg" refType="primFontSz" fact="0.3"/>
+                                        <dgm:constr type="lMarg" refType="primFontSz" fact="0.3"/>
+                                        <dgm:constr type="rMarg" refType="primFontSz" fact="0.3"/>
+                                      </dgm:constrLst>
+                                      <dgm:ruleLst>
+                                        <dgm:rule type="primFontSz" val="5" fact="NaN" max="NaN"/>
+                                      </dgm:ruleLst>
+                                    </dgm:layoutNode>
+                                  </dgm:layoutNode>
+                                  <dgm:layoutNode name="hierChild5">
+                                    <dgm:choose name="Name28">
+                                      <dgm:if name="Name29" func="var" arg="dir" op="equ" val="norm">
+                                        <dgm:alg type="hierChild">
+                                          <dgm:param type="linDir" val="fromL"/>
+                                        </dgm:alg>
+                                      </dgm:if>
+                                      <dgm:else name="Name30">
+                                        <dgm:alg type="hierChild">
+                                          <dgm:param type="linDir" val="fromR"/>
+                                        </dgm:alg>
+                                      </dgm:else>
+                                    </dgm:choose>
+                                    <dgm:shape xmlns:r="http://schemas.openxmlformats.org/officeDocument/2006/relationships" r:blip="">
+                                      <dgm:adjLst/>
+                                    </dgm:shape>
+                                    <dgm:presOf/>
+                                    <dgm:constrLst/>
+                                    <dgm:ruleLst/>
+                                    <dgm:forEach name="Name31" ref="repeat"/>
+                                  </dgm:layoutNode>
+                                </dgm:layoutNode>
+                              </dgm:forEach>
+                            </dgm:forEach>
+                          </dgm:layoutNode>
+                        </dgm:layoutNode>
+                      </dgm:forEach>
+                    </dgm:forEach>
+                  </dgm:layoutNode>
+                </dgm:layoutNode>
+              </dgm:forEach>
+            </dgm:forEach>
+          </dgm:layoutNode>
+        </dgm:layoutNode>
+      </dgm:forEach>
+    </dgm:forEach>
+  </dgm:layoutNode>
+</dgm:layoutDef>
+</file>
+
 <file path=ppt/diagrams/quickStyle1.xml><?xml version="1.0" encoding="utf-8"?>
 <dgm:styleDef xmlns:dgm="http://schemas.openxmlformats.org/drawingml/2006/diagram" xmlns:a="http://schemas.openxmlformats.org/drawingml/2006/main" uniqueId="urn:microsoft.com/office/officeart/2005/8/quickstyle/simple4">
   <dgm:title val=""/>
@@ -5091,6 +6901,1040 @@
         <a:scrgbClr r="0" g="0" b="0"/>
       </a:fillRef>
       <a:effectRef idx="2">
+        <a:scrgbClr r="0" g="0" b="0"/>
+      </a:effectRef>
+      <a:fontRef idx="minor"/>
+    </dgm:style>
+  </dgm:styleLbl>
+  <dgm:styleLbl name="revTx">
+    <dgm:scene3d>
+      <a:camera prst="orthographicFront"/>
+      <a:lightRig rig="threePt" dir="t"/>
+    </dgm:scene3d>
+    <dgm:sp3d/>
+    <dgm:txPr/>
+    <dgm:style>
+      <a:lnRef idx="0">
+        <a:scrgbClr r="0" g="0" b="0"/>
+      </a:lnRef>
+      <a:fillRef idx="0">
+        <a:scrgbClr r="0" g="0" b="0"/>
+      </a:fillRef>
+      <a:effectRef idx="0">
+        <a:scrgbClr r="0" g="0" b="0"/>
+      </a:effectRef>
+      <a:fontRef idx="minor"/>
+    </dgm:style>
+  </dgm:styleLbl>
+</dgm:styleDef>
+</file>
+
+<file path=ppt/diagrams/quickStyle3.xml><?xml version="1.0" encoding="utf-8"?>
+<dgm:styleDef xmlns:dgm="http://schemas.openxmlformats.org/drawingml/2006/diagram" xmlns:a="http://schemas.openxmlformats.org/drawingml/2006/main" uniqueId="urn:microsoft.com/office/officeart/2005/8/quickstyle/simple1">
+  <dgm:title val=""/>
+  <dgm:desc val=""/>
+  <dgm:catLst>
+    <dgm:cat type="simple" pri="10100"/>
+  </dgm:catLst>
+  <dgm:scene3d>
+    <a:camera prst="orthographicFront"/>
+    <a:lightRig rig="threePt" dir="t"/>
+  </dgm:scene3d>
+  <dgm:styleLbl name="node0">
+    <dgm:scene3d>
+      <a:camera prst="orthographicFront"/>
+      <a:lightRig rig="threePt" dir="t"/>
+    </dgm:scene3d>
+    <dgm:sp3d/>
+    <dgm:txPr/>
+    <dgm:style>
+      <a:lnRef idx="2">
+        <a:scrgbClr r="0" g="0" b="0"/>
+      </a:lnRef>
+      <a:fillRef idx="1">
+        <a:scrgbClr r="0" g="0" b="0"/>
+      </a:fillRef>
+      <a:effectRef idx="0">
+        <a:scrgbClr r="0" g="0" b="0"/>
+      </a:effectRef>
+      <a:fontRef idx="minor">
+        <a:schemeClr val="lt1"/>
+      </a:fontRef>
+    </dgm:style>
+  </dgm:styleLbl>
+  <dgm:styleLbl name="lnNode1">
+    <dgm:scene3d>
+      <a:camera prst="orthographicFront"/>
+      <a:lightRig rig="threePt" dir="t"/>
+    </dgm:scene3d>
+    <dgm:sp3d/>
+    <dgm:txPr/>
+    <dgm:style>
+      <a:lnRef idx="2">
+        <a:scrgbClr r="0" g="0" b="0"/>
+      </a:lnRef>
+      <a:fillRef idx="1">
+        <a:scrgbClr r="0" g="0" b="0"/>
+      </a:fillRef>
+      <a:effectRef idx="0">
+        <a:scrgbClr r="0" g="0" b="0"/>
+      </a:effectRef>
+      <a:fontRef idx="minor">
+        <a:schemeClr val="lt1"/>
+      </a:fontRef>
+    </dgm:style>
+  </dgm:styleLbl>
+  <dgm:styleLbl name="vennNode1">
+    <dgm:scene3d>
+      <a:camera prst="orthographicFront"/>
+      <a:lightRig rig="threePt" dir="t"/>
+    </dgm:scene3d>
+    <dgm:sp3d/>
+    <dgm:txPr/>
+    <dgm:style>
+      <a:lnRef idx="2">
+        <a:scrgbClr r="0" g="0" b="0"/>
+      </a:lnRef>
+      <a:fillRef idx="1">
+        <a:scrgbClr r="0" g="0" b="0"/>
+      </a:fillRef>
+      <a:effectRef idx="0">
+        <a:scrgbClr r="0" g="0" b="0"/>
+      </a:effectRef>
+      <a:fontRef idx="minor">
+        <a:schemeClr val="tx1"/>
+      </a:fontRef>
+    </dgm:style>
+  </dgm:styleLbl>
+  <dgm:styleLbl name="alignNode1">
+    <dgm:scene3d>
+      <a:camera prst="orthographicFront"/>
+      <a:lightRig rig="threePt" dir="t"/>
+    </dgm:scene3d>
+    <dgm:sp3d/>
+    <dgm:txPr/>
+    <dgm:style>
+      <a:lnRef idx="2">
+        <a:scrgbClr r="0" g="0" b="0"/>
+      </a:lnRef>
+      <a:fillRef idx="1">
+        <a:scrgbClr r="0" g="0" b="0"/>
+      </a:fillRef>
+      <a:effectRef idx="0">
+        <a:scrgbClr r="0" g="0" b="0"/>
+      </a:effectRef>
+      <a:fontRef idx="minor">
+        <a:schemeClr val="lt1"/>
+      </a:fontRef>
+    </dgm:style>
+  </dgm:styleLbl>
+  <dgm:styleLbl name="node1">
+    <dgm:scene3d>
+      <a:camera prst="orthographicFront"/>
+      <a:lightRig rig="threePt" dir="t"/>
+    </dgm:scene3d>
+    <dgm:sp3d/>
+    <dgm:txPr/>
+    <dgm:style>
+      <a:lnRef idx="2">
+        <a:scrgbClr r="0" g="0" b="0"/>
+      </a:lnRef>
+      <a:fillRef idx="1">
+        <a:scrgbClr r="0" g="0" b="0"/>
+      </a:fillRef>
+      <a:effectRef idx="0">
+        <a:scrgbClr r="0" g="0" b="0"/>
+      </a:effectRef>
+      <a:fontRef idx="minor">
+        <a:schemeClr val="lt1"/>
+      </a:fontRef>
+    </dgm:style>
+  </dgm:styleLbl>
+  <dgm:styleLbl name="node2">
+    <dgm:scene3d>
+      <a:camera prst="orthographicFront"/>
+      <a:lightRig rig="threePt" dir="t"/>
+    </dgm:scene3d>
+    <dgm:sp3d/>
+    <dgm:txPr/>
+    <dgm:style>
+      <a:lnRef idx="2">
+        <a:scrgbClr r="0" g="0" b="0"/>
+      </a:lnRef>
+      <a:fillRef idx="1">
+        <a:scrgbClr r="0" g="0" b="0"/>
+      </a:fillRef>
+      <a:effectRef idx="0">
+        <a:scrgbClr r="0" g="0" b="0"/>
+      </a:effectRef>
+      <a:fontRef idx="minor">
+        <a:schemeClr val="lt1"/>
+      </a:fontRef>
+    </dgm:style>
+  </dgm:styleLbl>
+  <dgm:styleLbl name="node3">
+    <dgm:scene3d>
+      <a:camera prst="orthographicFront"/>
+      <a:lightRig rig="threePt" dir="t"/>
+    </dgm:scene3d>
+    <dgm:sp3d/>
+    <dgm:txPr/>
+    <dgm:style>
+      <a:lnRef idx="2">
+        <a:scrgbClr r="0" g="0" b="0"/>
+      </a:lnRef>
+      <a:fillRef idx="1">
+        <a:scrgbClr r="0" g="0" b="0"/>
+      </a:fillRef>
+      <a:effectRef idx="0">
+        <a:scrgbClr r="0" g="0" b="0"/>
+      </a:effectRef>
+      <a:fontRef idx="minor">
+        <a:schemeClr val="lt1"/>
+      </a:fontRef>
+    </dgm:style>
+  </dgm:styleLbl>
+  <dgm:styleLbl name="node4">
+    <dgm:scene3d>
+      <a:camera prst="orthographicFront"/>
+      <a:lightRig rig="threePt" dir="t"/>
+    </dgm:scene3d>
+    <dgm:sp3d/>
+    <dgm:txPr/>
+    <dgm:style>
+      <a:lnRef idx="2">
+        <a:scrgbClr r="0" g="0" b="0"/>
+      </a:lnRef>
+      <a:fillRef idx="1">
+        <a:scrgbClr r="0" g="0" b="0"/>
+      </a:fillRef>
+      <a:effectRef idx="0">
+        <a:scrgbClr r="0" g="0" b="0"/>
+      </a:effectRef>
+      <a:fontRef idx="minor">
+        <a:schemeClr val="lt1"/>
+      </a:fontRef>
+    </dgm:style>
+  </dgm:styleLbl>
+  <dgm:styleLbl name="fgImgPlace1">
+    <dgm:scene3d>
+      <a:camera prst="orthographicFront"/>
+      <a:lightRig rig="threePt" dir="t"/>
+    </dgm:scene3d>
+    <dgm:sp3d/>
+    <dgm:txPr/>
+    <dgm:style>
+      <a:lnRef idx="2">
+        <a:scrgbClr r="0" g="0" b="0"/>
+      </a:lnRef>
+      <a:fillRef idx="1">
+        <a:scrgbClr r="0" g="0" b="0"/>
+      </a:fillRef>
+      <a:effectRef idx="0">
+        <a:scrgbClr r="0" g="0" b="0"/>
+      </a:effectRef>
+      <a:fontRef idx="minor"/>
+    </dgm:style>
+  </dgm:styleLbl>
+  <dgm:styleLbl name="alignImgPlace1">
+    <dgm:scene3d>
+      <a:camera prst="orthographicFront"/>
+      <a:lightRig rig="threePt" dir="t"/>
+    </dgm:scene3d>
+    <dgm:sp3d/>
+    <dgm:txPr/>
+    <dgm:style>
+      <a:lnRef idx="2">
+        <a:scrgbClr r="0" g="0" b="0"/>
+      </a:lnRef>
+      <a:fillRef idx="1">
+        <a:scrgbClr r="0" g="0" b="0"/>
+      </a:fillRef>
+      <a:effectRef idx="0">
+        <a:scrgbClr r="0" g="0" b="0"/>
+      </a:effectRef>
+      <a:fontRef idx="minor"/>
+    </dgm:style>
+  </dgm:styleLbl>
+  <dgm:styleLbl name="bgImgPlace1">
+    <dgm:scene3d>
+      <a:camera prst="orthographicFront"/>
+      <a:lightRig rig="threePt" dir="t"/>
+    </dgm:scene3d>
+    <dgm:sp3d/>
+    <dgm:txPr/>
+    <dgm:style>
+      <a:lnRef idx="2">
+        <a:scrgbClr r="0" g="0" b="0"/>
+      </a:lnRef>
+      <a:fillRef idx="1">
+        <a:scrgbClr r="0" g="0" b="0"/>
+      </a:fillRef>
+      <a:effectRef idx="0">
+        <a:scrgbClr r="0" g="0" b="0"/>
+      </a:effectRef>
+      <a:fontRef idx="minor"/>
+    </dgm:style>
+  </dgm:styleLbl>
+  <dgm:styleLbl name="sibTrans2D1">
+    <dgm:scene3d>
+      <a:camera prst="orthographicFront"/>
+      <a:lightRig rig="threePt" dir="t"/>
+    </dgm:scene3d>
+    <dgm:sp3d/>
+    <dgm:txPr/>
+    <dgm:style>
+      <a:lnRef idx="0">
+        <a:scrgbClr r="0" g="0" b="0"/>
+      </a:lnRef>
+      <a:fillRef idx="1">
+        <a:scrgbClr r="0" g="0" b="0"/>
+      </a:fillRef>
+      <a:effectRef idx="0">
+        <a:scrgbClr r="0" g="0" b="0"/>
+      </a:effectRef>
+      <a:fontRef idx="minor">
+        <a:schemeClr val="lt1"/>
+      </a:fontRef>
+    </dgm:style>
+  </dgm:styleLbl>
+  <dgm:styleLbl name="fgSibTrans2D1">
+    <dgm:scene3d>
+      <a:camera prst="orthographicFront"/>
+      <a:lightRig rig="threePt" dir="t"/>
+    </dgm:scene3d>
+    <dgm:sp3d/>
+    <dgm:txPr/>
+    <dgm:style>
+      <a:lnRef idx="0">
+        <a:scrgbClr r="0" g="0" b="0"/>
+      </a:lnRef>
+      <a:fillRef idx="1">
+        <a:scrgbClr r="0" g="0" b="0"/>
+      </a:fillRef>
+      <a:effectRef idx="0">
+        <a:scrgbClr r="0" g="0" b="0"/>
+      </a:effectRef>
+      <a:fontRef idx="minor">
+        <a:schemeClr val="lt1"/>
+      </a:fontRef>
+    </dgm:style>
+  </dgm:styleLbl>
+  <dgm:styleLbl name="bgSibTrans2D1">
+    <dgm:scene3d>
+      <a:camera prst="orthographicFront"/>
+      <a:lightRig rig="threePt" dir="t"/>
+    </dgm:scene3d>
+    <dgm:sp3d/>
+    <dgm:txPr/>
+    <dgm:style>
+      <a:lnRef idx="0">
+        <a:scrgbClr r="0" g="0" b="0"/>
+      </a:lnRef>
+      <a:fillRef idx="1">
+        <a:scrgbClr r="0" g="0" b="0"/>
+      </a:fillRef>
+      <a:effectRef idx="0">
+        <a:scrgbClr r="0" g="0" b="0"/>
+      </a:effectRef>
+      <a:fontRef idx="minor">
+        <a:schemeClr val="lt1"/>
+      </a:fontRef>
+    </dgm:style>
+  </dgm:styleLbl>
+  <dgm:styleLbl name="sibTrans1D1">
+    <dgm:scene3d>
+      <a:camera prst="orthographicFront"/>
+      <a:lightRig rig="threePt" dir="t"/>
+    </dgm:scene3d>
+    <dgm:sp3d/>
+    <dgm:txPr/>
+    <dgm:style>
+      <a:lnRef idx="1">
+        <a:scrgbClr r="0" g="0" b="0"/>
+      </a:lnRef>
+      <a:fillRef idx="0">
+        <a:scrgbClr r="0" g="0" b="0"/>
+      </a:fillRef>
+      <a:effectRef idx="0">
+        <a:scrgbClr r="0" g="0" b="0"/>
+      </a:effectRef>
+      <a:fontRef idx="minor"/>
+    </dgm:style>
+  </dgm:styleLbl>
+  <dgm:styleLbl name="callout">
+    <dgm:scene3d>
+      <a:camera prst="orthographicFront"/>
+      <a:lightRig rig="threePt" dir="t"/>
+    </dgm:scene3d>
+    <dgm:sp3d/>
+    <dgm:txPr/>
+    <dgm:style>
+      <a:lnRef idx="2">
+        <a:scrgbClr r="0" g="0" b="0"/>
+      </a:lnRef>
+      <a:fillRef idx="1">
+        <a:scrgbClr r="0" g="0" b="0"/>
+      </a:fillRef>
+      <a:effectRef idx="0">
+        <a:scrgbClr r="0" g="0" b="0"/>
+      </a:effectRef>
+      <a:fontRef idx="minor"/>
+    </dgm:style>
+  </dgm:styleLbl>
+  <dgm:styleLbl name="asst0">
+    <dgm:scene3d>
+      <a:camera prst="orthographicFront"/>
+      <a:lightRig rig="threePt" dir="t"/>
+    </dgm:scene3d>
+    <dgm:sp3d/>
+    <dgm:txPr/>
+    <dgm:style>
+      <a:lnRef idx="2">
+        <a:scrgbClr r="0" g="0" b="0"/>
+      </a:lnRef>
+      <a:fillRef idx="1">
+        <a:scrgbClr r="0" g="0" b="0"/>
+      </a:fillRef>
+      <a:effectRef idx="0">
+        <a:scrgbClr r="0" g="0" b="0"/>
+      </a:effectRef>
+      <a:fontRef idx="minor">
+        <a:schemeClr val="lt1"/>
+      </a:fontRef>
+    </dgm:style>
+  </dgm:styleLbl>
+  <dgm:styleLbl name="asst1">
+    <dgm:scene3d>
+      <a:camera prst="orthographicFront"/>
+      <a:lightRig rig="threePt" dir="t"/>
+    </dgm:scene3d>
+    <dgm:sp3d/>
+    <dgm:txPr/>
+    <dgm:style>
+      <a:lnRef idx="2">
+        <a:scrgbClr r="0" g="0" b="0"/>
+      </a:lnRef>
+      <a:fillRef idx="1">
+        <a:scrgbClr r="0" g="0" b="0"/>
+      </a:fillRef>
+      <a:effectRef idx="0">
+        <a:scrgbClr r="0" g="0" b="0"/>
+      </a:effectRef>
+      <a:fontRef idx="minor">
+        <a:schemeClr val="lt1"/>
+      </a:fontRef>
+    </dgm:style>
+  </dgm:styleLbl>
+  <dgm:styleLbl name="asst2">
+    <dgm:scene3d>
+      <a:camera prst="orthographicFront"/>
+      <a:lightRig rig="threePt" dir="t"/>
+    </dgm:scene3d>
+    <dgm:sp3d/>
+    <dgm:txPr/>
+    <dgm:style>
+      <a:lnRef idx="2">
+        <a:scrgbClr r="0" g="0" b="0"/>
+      </a:lnRef>
+      <a:fillRef idx="1">
+        <a:scrgbClr r="0" g="0" b="0"/>
+      </a:fillRef>
+      <a:effectRef idx="0">
+        <a:scrgbClr r="0" g="0" b="0"/>
+      </a:effectRef>
+      <a:fontRef idx="minor">
+        <a:schemeClr val="lt1"/>
+      </a:fontRef>
+    </dgm:style>
+  </dgm:styleLbl>
+  <dgm:styleLbl name="asst3">
+    <dgm:scene3d>
+      <a:camera prst="orthographicFront"/>
+      <a:lightRig rig="threePt" dir="t"/>
+    </dgm:scene3d>
+    <dgm:sp3d/>
+    <dgm:txPr/>
+    <dgm:style>
+      <a:lnRef idx="2">
+        <a:scrgbClr r="0" g="0" b="0"/>
+      </a:lnRef>
+      <a:fillRef idx="1">
+        <a:scrgbClr r="0" g="0" b="0"/>
+      </a:fillRef>
+      <a:effectRef idx="0">
+        <a:scrgbClr r="0" g="0" b="0"/>
+      </a:effectRef>
+      <a:fontRef idx="minor">
+        <a:schemeClr val="lt1"/>
+      </a:fontRef>
+    </dgm:style>
+  </dgm:styleLbl>
+  <dgm:styleLbl name="asst4">
+    <dgm:scene3d>
+      <a:camera prst="orthographicFront"/>
+      <a:lightRig rig="threePt" dir="t"/>
+    </dgm:scene3d>
+    <dgm:sp3d/>
+    <dgm:txPr/>
+    <dgm:style>
+      <a:lnRef idx="2">
+        <a:scrgbClr r="0" g="0" b="0"/>
+      </a:lnRef>
+      <a:fillRef idx="1">
+        <a:scrgbClr r="0" g="0" b="0"/>
+      </a:fillRef>
+      <a:effectRef idx="0">
+        <a:scrgbClr r="0" g="0" b="0"/>
+      </a:effectRef>
+      <a:fontRef idx="minor">
+        <a:schemeClr val="lt1"/>
+      </a:fontRef>
+    </dgm:style>
+  </dgm:styleLbl>
+  <dgm:styleLbl name="parChTrans2D1">
+    <dgm:scene3d>
+      <a:camera prst="orthographicFront"/>
+      <a:lightRig rig="threePt" dir="t"/>
+    </dgm:scene3d>
+    <dgm:sp3d/>
+    <dgm:txPr/>
+    <dgm:style>
+      <a:lnRef idx="2">
+        <a:scrgbClr r="0" g="0" b="0"/>
+      </a:lnRef>
+      <a:fillRef idx="1">
+        <a:scrgbClr r="0" g="0" b="0"/>
+      </a:fillRef>
+      <a:effectRef idx="0">
+        <a:scrgbClr r="0" g="0" b="0"/>
+      </a:effectRef>
+      <a:fontRef idx="minor">
+        <a:schemeClr val="lt1"/>
+      </a:fontRef>
+    </dgm:style>
+  </dgm:styleLbl>
+  <dgm:styleLbl name="parChTrans2D2">
+    <dgm:scene3d>
+      <a:camera prst="orthographicFront"/>
+      <a:lightRig rig="threePt" dir="t"/>
+    </dgm:scene3d>
+    <dgm:sp3d/>
+    <dgm:txPr/>
+    <dgm:style>
+      <a:lnRef idx="2">
+        <a:scrgbClr r="0" g="0" b="0"/>
+      </a:lnRef>
+      <a:fillRef idx="1">
+        <a:scrgbClr r="0" g="0" b="0"/>
+      </a:fillRef>
+      <a:effectRef idx="0">
+        <a:scrgbClr r="0" g="0" b="0"/>
+      </a:effectRef>
+      <a:fontRef idx="minor">
+        <a:schemeClr val="lt1"/>
+      </a:fontRef>
+    </dgm:style>
+  </dgm:styleLbl>
+  <dgm:styleLbl name="parChTrans2D3">
+    <dgm:scene3d>
+      <a:camera prst="orthographicFront"/>
+      <a:lightRig rig="threePt" dir="t"/>
+    </dgm:scene3d>
+    <dgm:sp3d/>
+    <dgm:txPr/>
+    <dgm:style>
+      <a:lnRef idx="2">
+        <a:scrgbClr r="0" g="0" b="0"/>
+      </a:lnRef>
+      <a:fillRef idx="1">
+        <a:scrgbClr r="0" g="0" b="0"/>
+      </a:fillRef>
+      <a:effectRef idx="0">
+        <a:scrgbClr r="0" g="0" b="0"/>
+      </a:effectRef>
+      <a:fontRef idx="minor">
+        <a:schemeClr val="lt1"/>
+      </a:fontRef>
+    </dgm:style>
+  </dgm:styleLbl>
+  <dgm:styleLbl name="parChTrans2D4">
+    <dgm:scene3d>
+      <a:camera prst="orthographicFront"/>
+      <a:lightRig rig="threePt" dir="t"/>
+    </dgm:scene3d>
+    <dgm:sp3d/>
+    <dgm:txPr/>
+    <dgm:style>
+      <a:lnRef idx="2">
+        <a:scrgbClr r="0" g="0" b="0"/>
+      </a:lnRef>
+      <a:fillRef idx="1">
+        <a:scrgbClr r="0" g="0" b="0"/>
+      </a:fillRef>
+      <a:effectRef idx="0">
+        <a:scrgbClr r="0" g="0" b="0"/>
+      </a:effectRef>
+      <a:fontRef idx="minor">
+        <a:schemeClr val="lt1"/>
+      </a:fontRef>
+    </dgm:style>
+  </dgm:styleLbl>
+  <dgm:styleLbl name="parChTrans1D1">
+    <dgm:scene3d>
+      <a:camera prst="orthographicFront"/>
+      <a:lightRig rig="threePt" dir="t"/>
+    </dgm:scene3d>
+    <dgm:sp3d/>
+    <dgm:txPr/>
+    <dgm:style>
+      <a:lnRef idx="2">
+        <a:scrgbClr r="0" g="0" b="0"/>
+      </a:lnRef>
+      <a:fillRef idx="0">
+        <a:scrgbClr r="0" g="0" b="0"/>
+      </a:fillRef>
+      <a:effectRef idx="0">
+        <a:scrgbClr r="0" g="0" b="0"/>
+      </a:effectRef>
+      <a:fontRef idx="minor"/>
+    </dgm:style>
+  </dgm:styleLbl>
+  <dgm:styleLbl name="parChTrans1D2">
+    <dgm:scene3d>
+      <a:camera prst="orthographicFront"/>
+      <a:lightRig rig="threePt" dir="t"/>
+    </dgm:scene3d>
+    <dgm:sp3d/>
+    <dgm:txPr/>
+    <dgm:style>
+      <a:lnRef idx="2">
+        <a:scrgbClr r="0" g="0" b="0"/>
+      </a:lnRef>
+      <a:fillRef idx="0">
+        <a:scrgbClr r="0" g="0" b="0"/>
+      </a:fillRef>
+      <a:effectRef idx="0">
+        <a:scrgbClr r="0" g="0" b="0"/>
+      </a:effectRef>
+      <a:fontRef idx="minor"/>
+    </dgm:style>
+  </dgm:styleLbl>
+  <dgm:styleLbl name="parChTrans1D3">
+    <dgm:scene3d>
+      <a:camera prst="orthographicFront"/>
+      <a:lightRig rig="threePt" dir="t"/>
+    </dgm:scene3d>
+    <dgm:sp3d/>
+    <dgm:txPr/>
+    <dgm:style>
+      <a:lnRef idx="2">
+        <a:scrgbClr r="0" g="0" b="0"/>
+      </a:lnRef>
+      <a:fillRef idx="0">
+        <a:scrgbClr r="0" g="0" b="0"/>
+      </a:fillRef>
+      <a:effectRef idx="0">
+        <a:scrgbClr r="0" g="0" b="0"/>
+      </a:effectRef>
+      <a:fontRef idx="minor"/>
+    </dgm:style>
+  </dgm:styleLbl>
+  <dgm:styleLbl name="parChTrans1D4">
+    <dgm:scene3d>
+      <a:camera prst="orthographicFront"/>
+      <a:lightRig rig="threePt" dir="t"/>
+    </dgm:scene3d>
+    <dgm:sp3d/>
+    <dgm:txPr/>
+    <dgm:style>
+      <a:lnRef idx="2">
+        <a:scrgbClr r="0" g="0" b="0"/>
+      </a:lnRef>
+      <a:fillRef idx="0">
+        <a:scrgbClr r="0" g="0" b="0"/>
+      </a:fillRef>
+      <a:effectRef idx="0">
+        <a:scrgbClr r="0" g="0" b="0"/>
+      </a:effectRef>
+      <a:fontRef idx="minor"/>
+    </dgm:style>
+  </dgm:styleLbl>
+  <dgm:styleLbl name="fgAcc1">
+    <dgm:scene3d>
+      <a:camera prst="orthographicFront"/>
+      <a:lightRig rig="threePt" dir="t"/>
+    </dgm:scene3d>
+    <dgm:sp3d/>
+    <dgm:txPr/>
+    <dgm:style>
+      <a:lnRef idx="2">
+        <a:scrgbClr r="0" g="0" b="0"/>
+      </a:lnRef>
+      <a:fillRef idx="1">
+        <a:scrgbClr r="0" g="0" b="0"/>
+      </a:fillRef>
+      <a:effectRef idx="0">
+        <a:scrgbClr r="0" g="0" b="0"/>
+      </a:effectRef>
+      <a:fontRef idx="minor"/>
+    </dgm:style>
+  </dgm:styleLbl>
+  <dgm:styleLbl name="conFgAcc1">
+    <dgm:scene3d>
+      <a:camera prst="orthographicFront"/>
+      <a:lightRig rig="threePt" dir="t"/>
+    </dgm:scene3d>
+    <dgm:sp3d/>
+    <dgm:txPr/>
+    <dgm:style>
+      <a:lnRef idx="2">
+        <a:scrgbClr r="0" g="0" b="0"/>
+      </a:lnRef>
+      <a:fillRef idx="1">
+        <a:scrgbClr r="0" g="0" b="0"/>
+      </a:fillRef>
+      <a:effectRef idx="0">
+        <a:scrgbClr r="0" g="0" b="0"/>
+      </a:effectRef>
+      <a:fontRef idx="minor"/>
+    </dgm:style>
+  </dgm:styleLbl>
+  <dgm:styleLbl name="alignAcc1">
+    <dgm:scene3d>
+      <a:camera prst="orthographicFront"/>
+      <a:lightRig rig="threePt" dir="t"/>
+    </dgm:scene3d>
+    <dgm:sp3d/>
+    <dgm:txPr/>
+    <dgm:style>
+      <a:lnRef idx="2">
+        <a:scrgbClr r="0" g="0" b="0"/>
+      </a:lnRef>
+      <a:fillRef idx="1">
+        <a:scrgbClr r="0" g="0" b="0"/>
+      </a:fillRef>
+      <a:effectRef idx="0">
+        <a:scrgbClr r="0" g="0" b="0"/>
+      </a:effectRef>
+      <a:fontRef idx="minor"/>
+    </dgm:style>
+  </dgm:styleLbl>
+  <dgm:styleLbl name="trAlignAcc1">
+    <dgm:scene3d>
+      <a:camera prst="orthographicFront"/>
+      <a:lightRig rig="threePt" dir="t"/>
+    </dgm:scene3d>
+    <dgm:sp3d/>
+    <dgm:txPr/>
+    <dgm:style>
+      <a:lnRef idx="1">
+        <a:scrgbClr r="0" g="0" b="0"/>
+      </a:lnRef>
+      <a:fillRef idx="1">
+        <a:scrgbClr r="0" g="0" b="0"/>
+      </a:fillRef>
+      <a:effectRef idx="0">
+        <a:scrgbClr r="0" g="0" b="0"/>
+      </a:effectRef>
+      <a:fontRef idx="minor"/>
+    </dgm:style>
+  </dgm:styleLbl>
+  <dgm:styleLbl name="bgAcc1">
+    <dgm:scene3d>
+      <a:camera prst="orthographicFront"/>
+      <a:lightRig rig="threePt" dir="t"/>
+    </dgm:scene3d>
+    <dgm:sp3d/>
+    <dgm:txPr/>
+    <dgm:style>
+      <a:lnRef idx="2">
+        <a:scrgbClr r="0" g="0" b="0"/>
+      </a:lnRef>
+      <a:fillRef idx="1">
+        <a:scrgbClr r="0" g="0" b="0"/>
+      </a:fillRef>
+      <a:effectRef idx="0">
+        <a:scrgbClr r="0" g="0" b="0"/>
+      </a:effectRef>
+      <a:fontRef idx="minor"/>
+    </dgm:style>
+  </dgm:styleLbl>
+  <dgm:styleLbl name="solidFgAcc1">
+    <dgm:scene3d>
+      <a:camera prst="orthographicFront"/>
+      <a:lightRig rig="threePt" dir="t"/>
+    </dgm:scene3d>
+    <dgm:sp3d/>
+    <dgm:txPr/>
+    <dgm:style>
+      <a:lnRef idx="2">
+        <a:scrgbClr r="0" g="0" b="0"/>
+      </a:lnRef>
+      <a:fillRef idx="1">
+        <a:scrgbClr r="0" g="0" b="0"/>
+      </a:fillRef>
+      <a:effectRef idx="0">
+        <a:scrgbClr r="0" g="0" b="0"/>
+      </a:effectRef>
+      <a:fontRef idx="minor"/>
+    </dgm:style>
+  </dgm:styleLbl>
+  <dgm:styleLbl name="solidAlignAcc1">
+    <dgm:scene3d>
+      <a:camera prst="orthographicFront"/>
+      <a:lightRig rig="threePt" dir="t"/>
+    </dgm:scene3d>
+    <dgm:sp3d/>
+    <dgm:txPr/>
+    <dgm:style>
+      <a:lnRef idx="2">
+        <a:scrgbClr r="0" g="0" b="0"/>
+      </a:lnRef>
+      <a:fillRef idx="1">
+        <a:scrgbClr r="0" g="0" b="0"/>
+      </a:fillRef>
+      <a:effectRef idx="0">
+        <a:scrgbClr r="0" g="0" b="0"/>
+      </a:effectRef>
+      <a:fontRef idx="minor"/>
+    </dgm:style>
+  </dgm:styleLbl>
+  <dgm:styleLbl name="solidBgAcc1">
+    <dgm:scene3d>
+      <a:camera prst="orthographicFront"/>
+      <a:lightRig rig="threePt" dir="t"/>
+    </dgm:scene3d>
+    <dgm:sp3d/>
+    <dgm:txPr/>
+    <dgm:style>
+      <a:lnRef idx="2">
+        <a:scrgbClr r="0" g="0" b="0"/>
+      </a:lnRef>
+      <a:fillRef idx="1">
+        <a:scrgbClr r="0" g="0" b="0"/>
+      </a:fillRef>
+      <a:effectRef idx="0">
+        <a:scrgbClr r="0" g="0" b="0"/>
+      </a:effectRef>
+      <a:fontRef idx="minor"/>
+    </dgm:style>
+  </dgm:styleLbl>
+  <dgm:styleLbl name="fgAccFollowNode1">
+    <dgm:scene3d>
+      <a:camera prst="orthographicFront"/>
+      <a:lightRig rig="threePt" dir="t"/>
+    </dgm:scene3d>
+    <dgm:sp3d/>
+    <dgm:txPr/>
+    <dgm:style>
+      <a:lnRef idx="2">
+        <a:scrgbClr r="0" g="0" b="0"/>
+      </a:lnRef>
+      <a:fillRef idx="1">
+        <a:scrgbClr r="0" g="0" b="0"/>
+      </a:fillRef>
+      <a:effectRef idx="0">
+        <a:scrgbClr r="0" g="0" b="0"/>
+      </a:effectRef>
+      <a:fontRef idx="minor"/>
+    </dgm:style>
+  </dgm:styleLbl>
+  <dgm:styleLbl name="alignAccFollowNode1">
+    <dgm:scene3d>
+      <a:camera prst="orthographicFront"/>
+      <a:lightRig rig="threePt" dir="t"/>
+    </dgm:scene3d>
+    <dgm:sp3d/>
+    <dgm:txPr/>
+    <dgm:style>
+      <a:lnRef idx="2">
+        <a:scrgbClr r="0" g="0" b="0"/>
+      </a:lnRef>
+      <a:fillRef idx="1">
+        <a:scrgbClr r="0" g="0" b="0"/>
+      </a:fillRef>
+      <a:effectRef idx="0">
+        <a:scrgbClr r="0" g="0" b="0"/>
+      </a:effectRef>
+      <a:fontRef idx="minor"/>
+    </dgm:style>
+  </dgm:styleLbl>
+  <dgm:styleLbl name="bgAccFollowNode1">
+    <dgm:scene3d>
+      <a:camera prst="orthographicFront"/>
+      <a:lightRig rig="threePt" dir="t"/>
+    </dgm:scene3d>
+    <dgm:sp3d/>
+    <dgm:txPr/>
+    <dgm:style>
+      <a:lnRef idx="2">
+        <a:scrgbClr r="0" g="0" b="0"/>
+      </a:lnRef>
+      <a:fillRef idx="1">
+        <a:scrgbClr r="0" g="0" b="0"/>
+      </a:fillRef>
+      <a:effectRef idx="0">
+        <a:scrgbClr r="0" g="0" b="0"/>
+      </a:effectRef>
+      <a:fontRef idx="minor"/>
+    </dgm:style>
+  </dgm:styleLbl>
+  <dgm:styleLbl name="fgAcc0">
+    <dgm:scene3d>
+      <a:camera prst="orthographicFront"/>
+      <a:lightRig rig="threePt" dir="t"/>
+    </dgm:scene3d>
+    <dgm:sp3d/>
+    <dgm:txPr/>
+    <dgm:style>
+      <a:lnRef idx="2">
+        <a:scrgbClr r="0" g="0" b="0"/>
+      </a:lnRef>
+      <a:fillRef idx="1">
+        <a:scrgbClr r="0" g="0" b="0"/>
+      </a:fillRef>
+      <a:effectRef idx="0">
+        <a:scrgbClr r="0" g="0" b="0"/>
+      </a:effectRef>
+      <a:fontRef idx="minor"/>
+    </dgm:style>
+  </dgm:styleLbl>
+  <dgm:styleLbl name="fgAcc2">
+    <dgm:scene3d>
+      <a:camera prst="orthographicFront"/>
+      <a:lightRig rig="threePt" dir="t"/>
+    </dgm:scene3d>
+    <dgm:sp3d/>
+    <dgm:txPr/>
+    <dgm:style>
+      <a:lnRef idx="2">
+        <a:scrgbClr r="0" g="0" b="0"/>
+      </a:lnRef>
+      <a:fillRef idx="1">
+        <a:scrgbClr r="0" g="0" b="0"/>
+      </a:fillRef>
+      <a:effectRef idx="0">
+        <a:scrgbClr r="0" g="0" b="0"/>
+      </a:effectRef>
+      <a:fontRef idx="minor"/>
+    </dgm:style>
+  </dgm:styleLbl>
+  <dgm:styleLbl name="fgAcc3">
+    <dgm:scene3d>
+      <a:camera prst="orthographicFront"/>
+      <a:lightRig rig="threePt" dir="t"/>
+    </dgm:scene3d>
+    <dgm:sp3d/>
+    <dgm:txPr/>
+    <dgm:style>
+      <a:lnRef idx="2">
+        <a:scrgbClr r="0" g="0" b="0"/>
+      </a:lnRef>
+      <a:fillRef idx="1">
+        <a:scrgbClr r="0" g="0" b="0"/>
+      </a:fillRef>
+      <a:effectRef idx="0">
+        <a:scrgbClr r="0" g="0" b="0"/>
+      </a:effectRef>
+      <a:fontRef idx="minor"/>
+    </dgm:style>
+  </dgm:styleLbl>
+  <dgm:styleLbl name="fgAcc4">
+    <dgm:scene3d>
+      <a:camera prst="orthographicFront"/>
+      <a:lightRig rig="threePt" dir="t"/>
+    </dgm:scene3d>
+    <dgm:sp3d/>
+    <dgm:txPr/>
+    <dgm:style>
+      <a:lnRef idx="2">
+        <a:scrgbClr r="0" g="0" b="0"/>
+      </a:lnRef>
+      <a:fillRef idx="1">
+        <a:scrgbClr r="0" g="0" b="0"/>
+      </a:fillRef>
+      <a:effectRef idx="0">
+        <a:scrgbClr r="0" g="0" b="0"/>
+      </a:effectRef>
+      <a:fontRef idx="minor"/>
+    </dgm:style>
+  </dgm:styleLbl>
+  <dgm:styleLbl name="bgShp">
+    <dgm:scene3d>
+      <a:camera prst="orthographicFront"/>
+      <a:lightRig rig="threePt" dir="t"/>
+    </dgm:scene3d>
+    <dgm:sp3d/>
+    <dgm:txPr/>
+    <dgm:style>
+      <a:lnRef idx="0">
+        <a:scrgbClr r="0" g="0" b="0"/>
+      </a:lnRef>
+      <a:fillRef idx="1">
+        <a:scrgbClr r="0" g="0" b="0"/>
+      </a:fillRef>
+      <a:effectRef idx="0">
+        <a:scrgbClr r="0" g="0" b="0"/>
+      </a:effectRef>
+      <a:fontRef idx="minor"/>
+    </dgm:style>
+  </dgm:styleLbl>
+  <dgm:styleLbl name="dkBgShp">
+    <dgm:scene3d>
+      <a:camera prst="orthographicFront"/>
+      <a:lightRig rig="threePt" dir="t"/>
+    </dgm:scene3d>
+    <dgm:sp3d/>
+    <dgm:txPr/>
+    <dgm:style>
+      <a:lnRef idx="0">
+        <a:scrgbClr r="0" g="0" b="0"/>
+      </a:lnRef>
+      <a:fillRef idx="1">
+        <a:scrgbClr r="0" g="0" b="0"/>
+      </a:fillRef>
+      <a:effectRef idx="0">
+        <a:scrgbClr r="0" g="0" b="0"/>
+      </a:effectRef>
+      <a:fontRef idx="minor"/>
+    </dgm:style>
+  </dgm:styleLbl>
+  <dgm:styleLbl name="trBgShp">
+    <dgm:scene3d>
+      <a:camera prst="orthographicFront"/>
+      <a:lightRig rig="threePt" dir="t"/>
+    </dgm:scene3d>
+    <dgm:sp3d/>
+    <dgm:txPr/>
+    <dgm:style>
+      <a:lnRef idx="0">
+        <a:scrgbClr r="0" g="0" b="0"/>
+      </a:lnRef>
+      <a:fillRef idx="1">
+        <a:scrgbClr r="0" g="0" b="0"/>
+      </a:fillRef>
+      <a:effectRef idx="0">
+        <a:scrgbClr r="0" g="0" b="0"/>
+      </a:effectRef>
+      <a:fontRef idx="minor"/>
+    </dgm:style>
+  </dgm:styleLbl>
+  <dgm:styleLbl name="fgShp">
+    <dgm:scene3d>
+      <a:camera prst="orthographicFront"/>
+      <a:lightRig rig="threePt" dir="t"/>
+    </dgm:scene3d>
+    <dgm:sp3d/>
+    <dgm:txPr/>
+    <dgm:style>
+      <a:lnRef idx="2">
+        <a:scrgbClr r="0" g="0" b="0"/>
+      </a:lnRef>
+      <a:fillRef idx="1">
+        <a:scrgbClr r="0" g="0" b="0"/>
+      </a:fillRef>
+      <a:effectRef idx="0">
         <a:scrgbClr r="0" g="0" b="0"/>
       </a:effectRef>
       <a:fontRef idx="minor"/>
@@ -11109,6 +13953,417 @@
       </p:grpSpPr>
       <p:sp useBgFill="1">
         <p:nvSpPr>
+          <p:cNvPr id="9" name="Rectangle 8">
+            <a:extLst>
+              <a:ext uri="{FF2B5EF4-FFF2-40B4-BE49-F238E27FC236}">
+                <a16:creationId xmlns:a16="http://schemas.microsoft.com/office/drawing/2014/main" id="{BACC6370-2D7E-4714-9D71-7542949D7D5D}"/>
+              </a:ext>
+              <a:ext uri="{C183D7F6-B498-43B3-948B-1728B52AA6E4}">
+                <adec:decorative xmlns:adec="http://schemas.microsoft.com/office/drawing/2017/decorative" val="1"/>
+              </a:ext>
+            </a:extLst>
+          </p:cNvPr>
+          <p:cNvSpPr>
+            <a:spLocks noGrp="1" noRot="1" noChangeAspect="1" noMove="1" noResize="1" noEditPoints="1" noAdjustHandles="1" noChangeArrowheads="1" noChangeShapeType="1" noTextEdit="1"/>
+          </p:cNvSpPr>
+          <p:nvPr>
+            <p:extLst>
+              <p:ext uri="{386F3935-93C4-4BCD-93E2-E3B085C9AB24}">
+                <p16:designElem xmlns:p16="http://schemas.microsoft.com/office/powerpoint/2015/main" val="1"/>
+              </p:ext>
+            </p:extLst>
+          </p:nvPr>
+        </p:nvSpPr>
+        <p:spPr>
+          <a:xfrm>
+            <a:off x="0" y="0"/>
+            <a:ext cx="12192000" cy="6858000"/>
+          </a:xfrm>
+          <a:prstGeom prst="rect">
+            <a:avLst/>
+          </a:prstGeom>
+          <a:ln w="12700" cap="flat" cmpd="sng" algn="ctr">
+            <a:noFill/>
+            <a:prstDash val="solid"/>
+            <a:miter lim="800000"/>
+          </a:ln>
+          <a:effectLst/>
+          <a:extLst>
+            <a:ext uri="{91240B29-F687-4F45-9708-019B960494DF}">
+              <a14:hiddenLine xmlns:a14="http://schemas.microsoft.com/office/drawing/2010/main" w="12700" cap="flat" cmpd="sng" algn="ctr">
+                <a:solidFill>
+                  <a:schemeClr val="accent1">
+                    <a:shade val="50000"/>
+                  </a:schemeClr>
+                </a:solidFill>
+                <a:prstDash val="solid"/>
+                <a:miter lim="800000"/>
+              </a14:hiddenLine>
+            </a:ext>
+          </a:extLst>
+        </p:spPr>
+        <p:style>
+          <a:lnRef idx="2">
+            <a:schemeClr val="accent1">
+              <a:shade val="50000"/>
+            </a:schemeClr>
+          </a:lnRef>
+          <a:fillRef idx="1">
+            <a:schemeClr val="accent1"/>
+          </a:fillRef>
+          <a:effectRef idx="0">
+            <a:schemeClr val="accent1"/>
+          </a:effectRef>
+          <a:fontRef idx="minor">
+            <a:schemeClr val="lt1"/>
+          </a:fontRef>
+        </p:style>
+        <p:txBody>
+          <a:bodyPr rtlCol="0" anchor="ctr"/>
+          <a:lstStyle/>
+          <a:p>
+            <a:pPr algn="ctr"/>
+            <a:endParaRPr lang="en-US"/>
+          </a:p>
+        </p:txBody>
+      </p:sp>
+      <p:sp>
+        <p:nvSpPr>
+          <p:cNvPr id="11" name="Rectangle 10">
+            <a:extLst>
+              <a:ext uri="{FF2B5EF4-FFF2-40B4-BE49-F238E27FC236}">
+                <a16:creationId xmlns:a16="http://schemas.microsoft.com/office/drawing/2014/main" id="{F68B3F68-107C-434F-AA38-110D5EA91B85}"/>
+              </a:ext>
+              <a:ext uri="{C183D7F6-B498-43B3-948B-1728B52AA6E4}">
+                <adec:decorative xmlns:adec="http://schemas.microsoft.com/office/drawing/2017/decorative" val="1"/>
+              </a:ext>
+            </a:extLst>
+          </p:cNvPr>
+          <p:cNvSpPr>
+            <a:spLocks noGrp="1" noRot="1" noChangeAspect="1" noMove="1" noResize="1" noEditPoints="1" noAdjustHandles="1" noChangeArrowheads="1" noChangeShapeType="1" noTextEdit="1"/>
+          </p:cNvSpPr>
+          <p:nvPr>
+            <p:extLst>
+              <p:ext uri="{386F3935-93C4-4BCD-93E2-E3B085C9AB24}">
+                <p16:designElem xmlns:p16="http://schemas.microsoft.com/office/powerpoint/2015/main" val="1"/>
+              </p:ext>
+            </p:extLst>
+          </p:nvPr>
+        </p:nvSpPr>
+        <p:spPr>
+          <a:xfrm flipH="1">
+            <a:off x="2" y="0"/>
+            <a:ext cx="12191998" cy="2170031"/>
+          </a:xfrm>
+          <a:prstGeom prst="rect">
+            <a:avLst/>
+          </a:prstGeom>
+          <a:gradFill>
+            <a:gsLst>
+              <a:gs pos="0">
+                <a:srgbClr val="000000">
+                  <a:alpha val="96000"/>
+                </a:srgbClr>
+              </a:gs>
+              <a:gs pos="100000">
+                <a:schemeClr val="accent1">
+                  <a:lumMod val="75000"/>
+                </a:schemeClr>
+              </a:gs>
+            </a:gsLst>
+            <a:lin ang="19800000" scaled="0"/>
+          </a:gradFill>
+          <a:ln>
+            <a:noFill/>
+          </a:ln>
+        </p:spPr>
+        <p:style>
+          <a:lnRef idx="2">
+            <a:schemeClr val="accent1">
+              <a:shade val="50000"/>
+            </a:schemeClr>
+          </a:lnRef>
+          <a:fillRef idx="1">
+            <a:schemeClr val="accent1"/>
+          </a:fillRef>
+          <a:effectRef idx="0">
+            <a:schemeClr val="accent1"/>
+          </a:effectRef>
+          <a:fontRef idx="minor">
+            <a:schemeClr val="lt1"/>
+          </a:fontRef>
+        </p:style>
+        <p:txBody>
+          <a:bodyPr rtlCol="0" anchor="ctr"/>
+          <a:lstStyle/>
+          <a:p>
+            <a:pPr algn="ctr"/>
+            <a:endParaRPr lang="en-US"/>
+          </a:p>
+        </p:txBody>
+      </p:sp>
+      <p:sp>
+        <p:nvSpPr>
+          <p:cNvPr id="13" name="Rectangle 12">
+            <a:extLst>
+              <a:ext uri="{FF2B5EF4-FFF2-40B4-BE49-F238E27FC236}">
+                <a16:creationId xmlns:a16="http://schemas.microsoft.com/office/drawing/2014/main" id="{AAD0DBB9-1A4B-4391-81D4-CB19F9AB918A}"/>
+              </a:ext>
+              <a:ext uri="{C183D7F6-B498-43B3-948B-1728B52AA6E4}">
+                <adec:decorative xmlns:adec="http://schemas.microsoft.com/office/drawing/2017/decorative" val="1"/>
+              </a:ext>
+            </a:extLst>
+          </p:cNvPr>
+          <p:cNvSpPr>
+            <a:spLocks noGrp="1" noRot="1" noChangeAspect="1" noMove="1" noResize="1" noEditPoints="1" noAdjustHandles="1" noChangeArrowheads="1" noChangeShapeType="1" noTextEdit="1"/>
+          </p:cNvSpPr>
+          <p:nvPr>
+            <p:extLst>
+              <p:ext uri="{386F3935-93C4-4BCD-93E2-E3B085C9AB24}">
+                <p16:designElem xmlns:p16="http://schemas.microsoft.com/office/powerpoint/2015/main" val="1"/>
+              </p:ext>
+            </p:extLst>
+          </p:nvPr>
+        </p:nvSpPr>
+        <p:spPr>
+          <a:xfrm flipH="1">
+            <a:off x="8082819" y="0"/>
+            <a:ext cx="4097211" cy="2170661"/>
+          </a:xfrm>
+          <a:prstGeom prst="rect">
+            <a:avLst/>
+          </a:prstGeom>
+          <a:gradFill>
+            <a:gsLst>
+              <a:gs pos="19000">
+                <a:schemeClr val="accent1">
+                  <a:lumMod val="50000"/>
+                  <a:alpha val="68000"/>
+                </a:schemeClr>
+              </a:gs>
+              <a:gs pos="100000">
+                <a:schemeClr val="accent1">
+                  <a:alpha val="48000"/>
+                </a:schemeClr>
+              </a:gs>
+            </a:gsLst>
+            <a:lin ang="19200000" scaled="0"/>
+          </a:gradFill>
+          <a:ln>
+            <a:noFill/>
+          </a:ln>
+        </p:spPr>
+        <p:style>
+          <a:lnRef idx="2">
+            <a:schemeClr val="accent1">
+              <a:shade val="50000"/>
+            </a:schemeClr>
+          </a:lnRef>
+          <a:fillRef idx="1">
+            <a:schemeClr val="accent1"/>
+          </a:fillRef>
+          <a:effectRef idx="0">
+            <a:schemeClr val="accent1"/>
+          </a:effectRef>
+          <a:fontRef idx="minor">
+            <a:schemeClr val="lt1"/>
+          </a:fontRef>
+        </p:style>
+        <p:txBody>
+          <a:bodyPr rtlCol="0" anchor="ctr"/>
+          <a:lstStyle/>
+          <a:p>
+            <a:pPr algn="ctr"/>
+            <a:endParaRPr lang="en-US"/>
+          </a:p>
+        </p:txBody>
+      </p:sp>
+      <p:sp>
+        <p:nvSpPr>
+          <p:cNvPr id="15" name="Rectangle 14">
+            <a:extLst>
+              <a:ext uri="{FF2B5EF4-FFF2-40B4-BE49-F238E27FC236}">
+                <a16:creationId xmlns:a16="http://schemas.microsoft.com/office/drawing/2014/main" id="{063BBA22-50EA-4C4D-BE05-F1CE4E63AA56}"/>
+              </a:ext>
+              <a:ext uri="{C183D7F6-B498-43B3-948B-1728B52AA6E4}">
+                <adec:decorative xmlns:adec="http://schemas.microsoft.com/office/drawing/2017/decorative" val="1"/>
+              </a:ext>
+            </a:extLst>
+          </p:cNvPr>
+          <p:cNvSpPr>
+            <a:spLocks noGrp="1" noRot="1" noChangeAspect="1" noMove="1" noResize="1" noEditPoints="1" noAdjustHandles="1" noChangeArrowheads="1" noChangeShapeType="1" noTextEdit="1"/>
+          </p:cNvSpPr>
+          <p:nvPr>
+            <p:extLst>
+              <p:ext uri="{386F3935-93C4-4BCD-93E2-E3B085C9AB24}">
+                <p16:designElem xmlns:p16="http://schemas.microsoft.com/office/powerpoint/2015/main" val="1"/>
+              </p:ext>
+            </p:extLst>
+          </p:nvPr>
+        </p:nvSpPr>
+        <p:spPr>
+          <a:xfrm rot="16200000" flipH="1">
+            <a:off x="5010646" y="-5010043"/>
+            <a:ext cx="2170709" cy="12192000"/>
+          </a:xfrm>
+          <a:prstGeom prst="rect">
+            <a:avLst/>
+          </a:prstGeom>
+          <a:gradFill>
+            <a:gsLst>
+              <a:gs pos="23000">
+                <a:schemeClr val="accent1">
+                  <a:lumMod val="75000"/>
+                  <a:alpha val="16000"/>
+                </a:schemeClr>
+              </a:gs>
+              <a:gs pos="99000">
+                <a:srgbClr val="000000">
+                  <a:alpha val="45000"/>
+                </a:srgbClr>
+              </a:gs>
+            </a:gsLst>
+            <a:lin ang="21000000" scaled="0"/>
+          </a:gradFill>
+          <a:ln>
+            <a:noFill/>
+          </a:ln>
+        </p:spPr>
+        <p:style>
+          <a:lnRef idx="2">
+            <a:schemeClr val="accent1">
+              <a:shade val="50000"/>
+            </a:schemeClr>
+          </a:lnRef>
+          <a:fillRef idx="1">
+            <a:schemeClr val="accent1"/>
+          </a:fillRef>
+          <a:effectRef idx="0">
+            <a:schemeClr val="accent1"/>
+          </a:effectRef>
+          <a:fontRef idx="minor">
+            <a:schemeClr val="lt1"/>
+          </a:fontRef>
+        </p:style>
+        <p:txBody>
+          <a:bodyPr rtlCol="0" anchor="ctr"/>
+          <a:lstStyle/>
+          <a:p>
+            <a:pPr algn="ctr"/>
+            <a:endParaRPr lang="en-US" dirty="0"/>
+          </a:p>
+        </p:txBody>
+      </p:sp>
+      <p:sp>
+        <p:nvSpPr>
+          <p:cNvPr id="2" name="Title 1">
+            <a:extLst>
+              <a:ext uri="{FF2B5EF4-FFF2-40B4-BE49-F238E27FC236}">
+                <a16:creationId xmlns:a16="http://schemas.microsoft.com/office/drawing/2014/main" id="{2438DA53-6966-444B-8D6E-A7756CE8D437}"/>
+              </a:ext>
+            </a:extLst>
+          </p:cNvPr>
+          <p:cNvSpPr>
+            <a:spLocks noGrp="1"/>
+          </p:cNvSpPr>
+          <p:nvPr>
+            <p:ph type="title"/>
+          </p:nvPr>
+        </p:nvSpPr>
+        <p:spPr>
+          <a:xfrm>
+            <a:off x="1383564" y="348865"/>
+            <a:ext cx="9718111" cy="1576446"/>
+          </a:xfrm>
+        </p:spPr>
+        <p:txBody>
+          <a:bodyPr anchor="ctr">
+            <a:normAutofit/>
+          </a:bodyPr>
+          <a:lstStyle/>
+          <a:p>
+            <a:r>
+              <a:rPr lang="en-US" sz="4000">
+                <a:solidFill>
+                  <a:srgbClr val="FFFFFF"/>
+                </a:solidFill>
+              </a:rPr>
+              <a:t>Problems that can be solved by thi fuel price data .</a:t>
+            </a:r>
+          </a:p>
+        </p:txBody>
+      </p:sp>
+      <p:graphicFrame>
+        <p:nvGraphicFramePr>
+          <p:cNvPr id="5" name="Content Placeholder 2">
+            <a:extLst>
+              <a:ext uri="{FF2B5EF4-FFF2-40B4-BE49-F238E27FC236}">
+                <a16:creationId xmlns:a16="http://schemas.microsoft.com/office/drawing/2014/main" id="{6CF25CAF-F3DB-4971-8371-F375FA4A0A24}"/>
+              </a:ext>
+            </a:extLst>
+          </p:cNvPr>
+          <p:cNvGraphicFramePr>
+            <a:graphicFrameLocks noGrp="1"/>
+          </p:cNvGraphicFramePr>
+          <p:nvPr>
+            <p:ph idx="1"/>
+            <p:extLst>
+              <p:ext uri="{D42A27DB-BD31-4B8C-83A1-F6EECF244321}">
+                <p14:modId xmlns:p14="http://schemas.microsoft.com/office/powerpoint/2010/main" val="191238057"/>
+              </p:ext>
+            </p:extLst>
+          </p:nvPr>
+        </p:nvGraphicFramePr>
+        <p:xfrm>
+          <a:off x="644056" y="2615979"/>
+          <a:ext cx="10927829" cy="3689405"/>
+        </p:xfrm>
+        <a:graphic>
+          <a:graphicData uri="http://schemas.openxmlformats.org/drawingml/2006/diagram">
+            <dgm:relIds xmlns:dgm="http://schemas.openxmlformats.org/drawingml/2006/diagram" xmlns:r="http://schemas.openxmlformats.org/officeDocument/2006/relationships" r:dm="rId2" r:lo="rId3" r:qs="rId4" r:cs="rId5"/>
+          </a:graphicData>
+        </a:graphic>
+      </p:graphicFrame>
+    </p:spTree>
+    <p:extLst>
+      <p:ext uri="{BB962C8B-B14F-4D97-AF65-F5344CB8AC3E}">
+        <p14:creationId xmlns:p14="http://schemas.microsoft.com/office/powerpoint/2010/main" val="2707861451"/>
+      </p:ext>
+    </p:extLst>
+  </p:cSld>
+  <p:clrMapOvr>
+    <a:masterClrMapping/>
+  </p:clrMapOvr>
+</p:sld>
+</file>
+
+<file path=ppt/slides/slide8.xml><?xml version="1.0" encoding="utf-8"?>
+<p:sld xmlns:a="http://schemas.openxmlformats.org/drawingml/2006/main" xmlns:r="http://schemas.openxmlformats.org/officeDocument/2006/relationships" xmlns:p="http://schemas.openxmlformats.org/presentationml/2006/main">
+  <p:cSld>
+    <p:bg>
+      <p:bgPr>
+        <a:solidFill>
+          <a:schemeClr val="bg1"/>
+        </a:solidFill>
+        <a:effectLst/>
+      </p:bgPr>
+    </p:bg>
+    <p:spTree>
+      <p:nvGrpSpPr>
+        <p:cNvPr id="1" name=""/>
+        <p:cNvGrpSpPr/>
+        <p:nvPr/>
+      </p:nvGrpSpPr>
+      <p:grpSpPr>
+        <a:xfrm>
+          <a:off x="0" y="0"/>
+          <a:ext cx="0" cy="0"/>
+          <a:chOff x="0" y="0"/>
+          <a:chExt cx="0" cy="0"/>
+        </a:xfrm>
+      </p:grpSpPr>
+      <p:sp useBgFill="1">
+        <p:nvSpPr>
           <p:cNvPr id="21" name="Rectangle 7">
             <a:extLst>
               <a:ext uri="{FF2B5EF4-FFF2-40B4-BE49-F238E27FC236}">
